--- a/Images/SI5.pptx
+++ b/Images/SI5.pptx
@@ -197,7 +197,7 @@
           <a:p>
             <a:fld id="{D34CEA9E-E5A5-49C8-A578-AF124664FEC0}" type="datetimeFigureOut">
               <a:rPr lang="en-US" smtClean="0"/>
-              <a:t>8/10/2021</a:t>
+              <a:t>8/24/2021</a:t>
             </a:fld>
             <a:endParaRPr lang="en-US"/>
           </a:p>
@@ -690,7 +690,7 @@
           <a:p>
             <a:fld id="{BA05AF01-4F0E-4718-A4C1-DFCBB47EE5F2}" type="datetimeFigureOut">
               <a:rPr lang="en-US" smtClean="0"/>
-              <a:t>8/10/2021</a:t>
+              <a:t>8/24/2021</a:t>
             </a:fld>
             <a:endParaRPr lang="en-US"/>
           </a:p>
@@ -860,7 +860,7 @@
           <a:p>
             <a:fld id="{BA05AF01-4F0E-4718-A4C1-DFCBB47EE5F2}" type="datetimeFigureOut">
               <a:rPr lang="en-US" smtClean="0"/>
-              <a:t>8/10/2021</a:t>
+              <a:t>8/24/2021</a:t>
             </a:fld>
             <a:endParaRPr lang="en-US"/>
           </a:p>
@@ -1040,7 +1040,7 @@
           <a:p>
             <a:fld id="{BA05AF01-4F0E-4718-A4C1-DFCBB47EE5F2}" type="datetimeFigureOut">
               <a:rPr lang="en-US" smtClean="0"/>
-              <a:t>8/10/2021</a:t>
+              <a:t>8/24/2021</a:t>
             </a:fld>
             <a:endParaRPr lang="en-US"/>
           </a:p>
@@ -1210,7 +1210,7 @@
           <a:p>
             <a:fld id="{BA05AF01-4F0E-4718-A4C1-DFCBB47EE5F2}" type="datetimeFigureOut">
               <a:rPr lang="en-US" smtClean="0"/>
-              <a:t>8/10/2021</a:t>
+              <a:t>8/24/2021</a:t>
             </a:fld>
             <a:endParaRPr lang="en-US"/>
           </a:p>
@@ -1454,7 +1454,7 @@
           <a:p>
             <a:fld id="{BA05AF01-4F0E-4718-A4C1-DFCBB47EE5F2}" type="datetimeFigureOut">
               <a:rPr lang="en-US" smtClean="0"/>
-              <a:t>8/10/2021</a:t>
+              <a:t>8/24/2021</a:t>
             </a:fld>
             <a:endParaRPr lang="en-US"/>
           </a:p>
@@ -1686,7 +1686,7 @@
           <a:p>
             <a:fld id="{BA05AF01-4F0E-4718-A4C1-DFCBB47EE5F2}" type="datetimeFigureOut">
               <a:rPr lang="en-US" smtClean="0"/>
-              <a:t>8/10/2021</a:t>
+              <a:t>8/24/2021</a:t>
             </a:fld>
             <a:endParaRPr lang="en-US"/>
           </a:p>
@@ -2053,7 +2053,7 @@
           <a:p>
             <a:fld id="{BA05AF01-4F0E-4718-A4C1-DFCBB47EE5F2}" type="datetimeFigureOut">
               <a:rPr lang="en-US" smtClean="0"/>
-              <a:t>8/10/2021</a:t>
+              <a:t>8/24/2021</a:t>
             </a:fld>
             <a:endParaRPr lang="en-US"/>
           </a:p>
@@ -2171,7 +2171,7 @@
           <a:p>
             <a:fld id="{BA05AF01-4F0E-4718-A4C1-DFCBB47EE5F2}" type="datetimeFigureOut">
               <a:rPr lang="en-US" smtClean="0"/>
-              <a:t>8/10/2021</a:t>
+              <a:t>8/24/2021</a:t>
             </a:fld>
             <a:endParaRPr lang="en-US"/>
           </a:p>
@@ -2266,7 +2266,7 @@
           <a:p>
             <a:fld id="{BA05AF01-4F0E-4718-A4C1-DFCBB47EE5F2}" type="datetimeFigureOut">
               <a:rPr lang="en-US" smtClean="0"/>
-              <a:t>8/10/2021</a:t>
+              <a:t>8/24/2021</a:t>
             </a:fld>
             <a:endParaRPr lang="en-US"/>
           </a:p>
@@ -2543,7 +2543,7 @@
           <a:p>
             <a:fld id="{BA05AF01-4F0E-4718-A4C1-DFCBB47EE5F2}" type="datetimeFigureOut">
               <a:rPr lang="en-US" smtClean="0"/>
-              <a:t>8/10/2021</a:t>
+              <a:t>8/24/2021</a:t>
             </a:fld>
             <a:endParaRPr lang="en-US"/>
           </a:p>
@@ -2800,7 +2800,7 @@
           <a:p>
             <a:fld id="{BA05AF01-4F0E-4718-A4C1-DFCBB47EE5F2}" type="datetimeFigureOut">
               <a:rPr lang="en-US" smtClean="0"/>
-              <a:t>8/10/2021</a:t>
+              <a:t>8/24/2021</a:t>
             </a:fld>
             <a:endParaRPr lang="en-US"/>
           </a:p>
@@ -3013,7 +3013,7 @@
           <a:p>
             <a:fld id="{BA05AF01-4F0E-4718-A4C1-DFCBB47EE5F2}" type="datetimeFigureOut">
               <a:rPr lang="en-US" smtClean="0"/>
-              <a:t>8/10/2021</a:t>
+              <a:t>8/24/2021</a:t>
             </a:fld>
             <a:endParaRPr lang="en-US"/>
           </a:p>
@@ -3509,7 +3509,7 @@
                   <a:latin typeface="Times New Roman" panose="02020603050405020304" pitchFamily="18" charset="0"/>
                   <a:cs typeface="Times New Roman" panose="02020603050405020304" pitchFamily="18" charset="0"/>
                 </a:rPr>
-                <a:t>b</a:t>
+                <a:t>B</a:t>
               </a:r>
             </a:p>
           </p:txBody>
@@ -4030,7 +4030,7 @@
                   <a:latin typeface="Times New Roman" panose="02020603050405020304" pitchFamily="18" charset="0"/>
                   <a:cs typeface="Times New Roman" panose="02020603050405020304" pitchFamily="18" charset="0"/>
                 </a:rPr>
-                <a:t>c</a:t>
+                <a:t>C</a:t>
               </a:r>
             </a:p>
           </p:txBody>
@@ -4349,7 +4349,7 @@
                     <a:latin typeface="Times New Roman" panose="02020603050405020304" pitchFamily="18" charset="0"/>
                     <a:cs typeface="Times New Roman" panose="02020603050405020304" pitchFamily="18" charset="0"/>
                   </a:rPr>
-                  <a:t>a</a:t>
+                  <a:t>A</a:t>
                 </a:r>
               </a:p>
             </p:txBody>
@@ -4720,6 +4720,44 @@
           </p:sp>
         </p:grpSp>
       </p:grpSp>
+      <p:sp>
+        <p:nvSpPr>
+          <p:cNvPr id="33" name="TextBox 32">
+            <a:extLst>
+              <a:ext uri="{FF2B5EF4-FFF2-40B4-BE49-F238E27FC236}">
+                <a16:creationId xmlns:a16="http://schemas.microsoft.com/office/drawing/2014/main" id="{64A4F11E-6894-4486-A3D7-0456B5CD3F0A}"/>
+              </a:ext>
+            </a:extLst>
+          </p:cNvPr>
+          <p:cNvSpPr txBox="1"/>
+          <p:nvPr/>
+        </p:nvSpPr>
+        <p:spPr>
+          <a:xfrm>
+            <a:off x="13408307" y="26267585"/>
+            <a:ext cx="878761" cy="921471"/>
+          </a:xfrm>
+          <a:prstGeom prst="rect">
+            <a:avLst/>
+          </a:prstGeom>
+          <a:noFill/>
+        </p:spPr>
+        <p:txBody>
+          <a:bodyPr wrap="square" rtlCol="0">
+            <a:spAutoFit/>
+          </a:bodyPr>
+          <a:lstStyle/>
+          <a:p>
+            <a:r>
+              <a:rPr lang="en-US" sz="5388" b="1" dirty="0">
+                <a:latin typeface="Times New Roman" panose="02020603050405020304" pitchFamily="18" charset="0"/>
+                <a:cs typeface="Times New Roman" panose="02020603050405020304" pitchFamily="18" charset="0"/>
+              </a:rPr>
+              <a:t>D</a:t>
+            </a:r>
+          </a:p>
+        </p:txBody>
+      </p:sp>
     </p:spTree>
     <p:extLst>
       <p:ext uri="{BB962C8B-B14F-4D97-AF65-F5344CB8AC3E}">

--- a/Images/SI5.pptx
+++ b/Images/SI5.pptx
@@ -197,7 +197,7 @@
           <a:p>
             <a:fld id="{D34CEA9E-E5A5-49C8-A578-AF124664FEC0}" type="datetimeFigureOut">
               <a:rPr lang="en-US" smtClean="0"/>
-              <a:t>8/24/2021</a:t>
+              <a:t>10/4/2021</a:t>
             </a:fld>
             <a:endParaRPr lang="en-US"/>
           </a:p>
@@ -690,7 +690,7 @@
           <a:p>
             <a:fld id="{BA05AF01-4F0E-4718-A4C1-DFCBB47EE5F2}" type="datetimeFigureOut">
               <a:rPr lang="en-US" smtClean="0"/>
-              <a:t>8/24/2021</a:t>
+              <a:t>10/4/2021</a:t>
             </a:fld>
             <a:endParaRPr lang="en-US"/>
           </a:p>
@@ -860,7 +860,7 @@
           <a:p>
             <a:fld id="{BA05AF01-4F0E-4718-A4C1-DFCBB47EE5F2}" type="datetimeFigureOut">
               <a:rPr lang="en-US" smtClean="0"/>
-              <a:t>8/24/2021</a:t>
+              <a:t>10/4/2021</a:t>
             </a:fld>
             <a:endParaRPr lang="en-US"/>
           </a:p>
@@ -1040,7 +1040,7 @@
           <a:p>
             <a:fld id="{BA05AF01-4F0E-4718-A4C1-DFCBB47EE5F2}" type="datetimeFigureOut">
               <a:rPr lang="en-US" smtClean="0"/>
-              <a:t>8/24/2021</a:t>
+              <a:t>10/4/2021</a:t>
             </a:fld>
             <a:endParaRPr lang="en-US"/>
           </a:p>
@@ -1210,7 +1210,7 @@
           <a:p>
             <a:fld id="{BA05AF01-4F0E-4718-A4C1-DFCBB47EE5F2}" type="datetimeFigureOut">
               <a:rPr lang="en-US" smtClean="0"/>
-              <a:t>8/24/2021</a:t>
+              <a:t>10/4/2021</a:t>
             </a:fld>
             <a:endParaRPr lang="en-US"/>
           </a:p>
@@ -1454,7 +1454,7 @@
           <a:p>
             <a:fld id="{BA05AF01-4F0E-4718-A4C1-DFCBB47EE5F2}" type="datetimeFigureOut">
               <a:rPr lang="en-US" smtClean="0"/>
-              <a:t>8/24/2021</a:t>
+              <a:t>10/4/2021</a:t>
             </a:fld>
             <a:endParaRPr lang="en-US"/>
           </a:p>
@@ -1686,7 +1686,7 @@
           <a:p>
             <a:fld id="{BA05AF01-4F0E-4718-A4C1-DFCBB47EE5F2}" type="datetimeFigureOut">
               <a:rPr lang="en-US" smtClean="0"/>
-              <a:t>8/24/2021</a:t>
+              <a:t>10/4/2021</a:t>
             </a:fld>
             <a:endParaRPr lang="en-US"/>
           </a:p>
@@ -2053,7 +2053,7 @@
           <a:p>
             <a:fld id="{BA05AF01-4F0E-4718-A4C1-DFCBB47EE5F2}" type="datetimeFigureOut">
               <a:rPr lang="en-US" smtClean="0"/>
-              <a:t>8/24/2021</a:t>
+              <a:t>10/4/2021</a:t>
             </a:fld>
             <a:endParaRPr lang="en-US"/>
           </a:p>
@@ -2171,7 +2171,7 @@
           <a:p>
             <a:fld id="{BA05AF01-4F0E-4718-A4C1-DFCBB47EE5F2}" type="datetimeFigureOut">
               <a:rPr lang="en-US" smtClean="0"/>
-              <a:t>8/24/2021</a:t>
+              <a:t>10/4/2021</a:t>
             </a:fld>
             <a:endParaRPr lang="en-US"/>
           </a:p>
@@ -2266,7 +2266,7 @@
           <a:p>
             <a:fld id="{BA05AF01-4F0E-4718-A4C1-DFCBB47EE5F2}" type="datetimeFigureOut">
               <a:rPr lang="en-US" smtClean="0"/>
-              <a:t>8/24/2021</a:t>
+              <a:t>10/4/2021</a:t>
             </a:fld>
             <a:endParaRPr lang="en-US"/>
           </a:p>
@@ -2543,7 +2543,7 @@
           <a:p>
             <a:fld id="{BA05AF01-4F0E-4718-A4C1-DFCBB47EE5F2}" type="datetimeFigureOut">
               <a:rPr lang="en-US" smtClean="0"/>
-              <a:t>8/24/2021</a:t>
+              <a:t>10/4/2021</a:t>
             </a:fld>
             <a:endParaRPr lang="en-US"/>
           </a:p>
@@ -2800,7 +2800,7 @@
           <a:p>
             <a:fld id="{BA05AF01-4F0E-4718-A4C1-DFCBB47EE5F2}" type="datetimeFigureOut">
               <a:rPr lang="en-US" smtClean="0"/>
-              <a:t>8/24/2021</a:t>
+              <a:t>10/4/2021</a:t>
             </a:fld>
             <a:endParaRPr lang="en-US"/>
           </a:p>
@@ -3013,7 +3013,7 @@
           <a:p>
             <a:fld id="{BA05AF01-4F0E-4718-A4C1-DFCBB47EE5F2}" type="datetimeFigureOut">
               <a:rPr lang="en-US" smtClean="0"/>
-              <a:t>8/24/2021</a:t>
+              <a:t>10/4/2021</a:t>
             </a:fld>
             <a:endParaRPr lang="en-US"/>
           </a:p>
@@ -3456,12 +3456,314 @@
           </a:p>
         </p:txBody>
       </p:sp>
+      <p:sp>
+        <p:nvSpPr>
+          <p:cNvPr id="248" name="TextBox 247">
+            <a:extLst>
+              <a:ext uri="{FF2B5EF4-FFF2-40B4-BE49-F238E27FC236}">
+                <a16:creationId xmlns:a16="http://schemas.microsoft.com/office/drawing/2014/main" id="{9B8BF057-ABA4-42B2-95D2-3787713FF68A}"/>
+              </a:ext>
+            </a:extLst>
+          </p:cNvPr>
+          <p:cNvSpPr txBox="1"/>
+          <p:nvPr/>
+        </p:nvSpPr>
+        <p:spPr>
+          <a:xfrm>
+            <a:off x="421515" y="13105956"/>
+            <a:ext cx="878761" cy="921471"/>
+          </a:xfrm>
+          <a:prstGeom prst="rect">
+            <a:avLst/>
+          </a:prstGeom>
+          <a:noFill/>
+        </p:spPr>
+        <p:txBody>
+          <a:bodyPr wrap="square" rtlCol="0">
+            <a:spAutoFit/>
+          </a:bodyPr>
+          <a:lstStyle/>
+          <a:p>
+            <a:r>
+              <a:rPr lang="en-US" sz="5388" b="1" dirty="0">
+                <a:latin typeface="Times New Roman" panose="02020603050405020304" pitchFamily="18" charset="0"/>
+                <a:cs typeface="Times New Roman" panose="02020603050405020304" pitchFamily="18" charset="0"/>
+              </a:rPr>
+              <a:t>B</a:t>
+            </a:r>
+          </a:p>
+        </p:txBody>
+      </p:sp>
+      <p:sp>
+        <p:nvSpPr>
+          <p:cNvPr id="96" name="TextBox 95">
+            <a:extLst>
+              <a:ext uri="{FF2B5EF4-FFF2-40B4-BE49-F238E27FC236}">
+                <a16:creationId xmlns:a16="http://schemas.microsoft.com/office/drawing/2014/main" id="{E7775492-BE11-4DD4-BE55-15EA2AC5572B}"/>
+              </a:ext>
+            </a:extLst>
+          </p:cNvPr>
+          <p:cNvSpPr txBox="1"/>
+          <p:nvPr/>
+        </p:nvSpPr>
+        <p:spPr>
+          <a:xfrm>
+            <a:off x="578715" y="26273192"/>
+            <a:ext cx="878761" cy="921471"/>
+          </a:xfrm>
+          <a:prstGeom prst="rect">
+            <a:avLst/>
+          </a:prstGeom>
+          <a:noFill/>
+        </p:spPr>
+        <p:txBody>
+          <a:bodyPr wrap="square" rtlCol="0">
+            <a:spAutoFit/>
+          </a:bodyPr>
+          <a:lstStyle/>
+          <a:p>
+            <a:r>
+              <a:rPr lang="en-US" sz="5388" b="1" dirty="0">
+                <a:latin typeface="Times New Roman" panose="02020603050405020304" pitchFamily="18" charset="0"/>
+                <a:cs typeface="Times New Roman" panose="02020603050405020304" pitchFamily="18" charset="0"/>
+              </a:rPr>
+              <a:t>C</a:t>
+            </a:r>
+          </a:p>
+        </p:txBody>
+      </p:sp>
+      <p:sp>
+        <p:nvSpPr>
+          <p:cNvPr id="49" name="TextBox 48">
+            <a:extLst>
+              <a:ext uri="{FF2B5EF4-FFF2-40B4-BE49-F238E27FC236}">
+                <a16:creationId xmlns:a16="http://schemas.microsoft.com/office/drawing/2014/main" id="{5ABA8ECE-C61E-475C-9C9A-792866AA51D6}"/>
+              </a:ext>
+            </a:extLst>
+          </p:cNvPr>
+          <p:cNvSpPr txBox="1"/>
+          <p:nvPr/>
+        </p:nvSpPr>
+        <p:spPr>
+          <a:xfrm rot="10800000" flipV="1">
+            <a:off x="565754" y="335974"/>
+            <a:ext cx="2149257" cy="921054"/>
+          </a:xfrm>
+          <a:prstGeom prst="rect">
+            <a:avLst/>
+          </a:prstGeom>
+          <a:noFill/>
+        </p:spPr>
+        <p:txBody>
+          <a:bodyPr wrap="square" rtlCol="0">
+            <a:spAutoFit/>
+          </a:bodyPr>
+          <a:lstStyle/>
+          <a:p>
+            <a:r>
+              <a:rPr lang="en-US" sz="5388" b="1" dirty="0">
+                <a:latin typeface="Times New Roman" panose="02020603050405020304" pitchFamily="18" charset="0"/>
+                <a:cs typeface="Times New Roman" panose="02020603050405020304" pitchFamily="18" charset="0"/>
+              </a:rPr>
+              <a:t>A</a:t>
+            </a:r>
+          </a:p>
+        </p:txBody>
+      </p:sp>
+      <p:sp>
+        <p:nvSpPr>
+          <p:cNvPr id="33" name="TextBox 32">
+            <a:extLst>
+              <a:ext uri="{FF2B5EF4-FFF2-40B4-BE49-F238E27FC236}">
+                <a16:creationId xmlns:a16="http://schemas.microsoft.com/office/drawing/2014/main" id="{64A4F11E-6894-4486-A3D7-0456B5CD3F0A}"/>
+              </a:ext>
+            </a:extLst>
+          </p:cNvPr>
+          <p:cNvSpPr txBox="1"/>
+          <p:nvPr/>
+        </p:nvSpPr>
+        <p:spPr>
+          <a:xfrm>
+            <a:off x="13408307" y="26267585"/>
+            <a:ext cx="878761" cy="921471"/>
+          </a:xfrm>
+          <a:prstGeom prst="rect">
+            <a:avLst/>
+          </a:prstGeom>
+          <a:noFill/>
+        </p:spPr>
+        <p:txBody>
+          <a:bodyPr wrap="square" rtlCol="0">
+            <a:spAutoFit/>
+          </a:bodyPr>
+          <a:lstStyle/>
+          <a:p>
+            <a:r>
+              <a:rPr lang="en-US" sz="5388" b="1" dirty="0">
+                <a:latin typeface="Times New Roman" panose="02020603050405020304" pitchFamily="18" charset="0"/>
+                <a:cs typeface="Times New Roman" panose="02020603050405020304" pitchFamily="18" charset="0"/>
+              </a:rPr>
+              <a:t>D</a:t>
+            </a:r>
+          </a:p>
+        </p:txBody>
+      </p:sp>
+      <p:pic>
+        <p:nvPicPr>
+          <p:cNvPr id="2" name="Picture 2">
+            <a:extLst>
+              <a:ext uri="{FF2B5EF4-FFF2-40B4-BE49-F238E27FC236}">
+                <a16:creationId xmlns:a16="http://schemas.microsoft.com/office/drawing/2014/main" id="{BE40995C-65DF-4B84-8A60-4DF0BF6E2139}"/>
+              </a:ext>
+            </a:extLst>
+          </p:cNvPr>
+          <p:cNvPicPr>
+            <a:picLocks noChangeAspect="1" noChangeArrowheads="1"/>
+          </p:cNvPicPr>
+          <p:nvPr/>
+        </p:nvPicPr>
+        <p:blipFill>
+          <a:blip r:embed="rId3">
+            <a:extLst>
+              <a:ext uri="{28A0092B-C50C-407E-A947-70E740481C1C}">
+                <a14:useLocalDpi xmlns:a14="http://schemas.microsoft.com/office/drawing/2010/main" val="0"/>
+              </a:ext>
+            </a:extLst>
+          </a:blip>
+          <a:srcRect/>
+          <a:stretch>
+            <a:fillRect/>
+          </a:stretch>
+        </p:blipFill>
+        <p:spPr bwMode="auto">
+          <a:xfrm>
+            <a:off x="1263405" y="1038938"/>
+            <a:ext cx="23802380" cy="12057422"/>
+          </a:xfrm>
+          <a:prstGeom prst="rect">
+            <a:avLst/>
+          </a:prstGeom>
+          <a:noFill/>
+          <a:extLst>
+            <a:ext uri="{909E8E84-426E-40DD-AFC4-6F175D3DCCD1}">
+              <a14:hiddenFill xmlns:a14="http://schemas.microsoft.com/office/drawing/2010/main">
+                <a:solidFill>
+                  <a:srgbClr val="FFFFFF"/>
+                </a:solidFill>
+              </a14:hiddenFill>
+            </a:ext>
+          </a:extLst>
+        </p:spPr>
+      </p:pic>
+      <p:sp>
+        <p:nvSpPr>
+          <p:cNvPr id="34" name="TextBox 33">
+            <a:extLst>
+              <a:ext uri="{FF2B5EF4-FFF2-40B4-BE49-F238E27FC236}">
+                <a16:creationId xmlns:a16="http://schemas.microsoft.com/office/drawing/2014/main" id="{31552B9D-DB74-4406-9F64-A11CF69E47DF}"/>
+              </a:ext>
+            </a:extLst>
+          </p:cNvPr>
+          <p:cNvSpPr txBox="1"/>
+          <p:nvPr/>
+        </p:nvSpPr>
+        <p:spPr>
+          <a:xfrm>
+            <a:off x="11666836" y="12486961"/>
+            <a:ext cx="3852337" cy="558936"/>
+          </a:xfrm>
+          <a:prstGeom prst="rect">
+            <a:avLst/>
+          </a:prstGeom>
+          <a:solidFill>
+            <a:schemeClr val="bg1"/>
+          </a:solidFill>
+        </p:spPr>
+        <p:txBody>
+          <a:bodyPr wrap="none" rtlCol="0">
+            <a:spAutoFit/>
+          </a:bodyPr>
+          <a:lstStyle/>
+          <a:p>
+            <a:r>
+              <a:rPr lang="en-US" sz="3032" dirty="0">
+                <a:latin typeface="Times New Roman" panose="02020603050405020304" pitchFamily="18" charset="0"/>
+                <a:cs typeface="Times New Roman" panose="02020603050405020304" pitchFamily="18" charset="0"/>
+              </a:rPr>
+              <a:t>Ligand degree ratio </a:t>
+            </a:r>
+            <a:r>
+              <a:rPr lang="en-US" sz="3030" dirty="0">
+                <a:latin typeface="Times New Roman" panose="02020603050405020304" pitchFamily="18" charset="0"/>
+                <a:cs typeface="Times New Roman" panose="02020603050405020304" pitchFamily="18" charset="0"/>
+              </a:rPr>
+              <a:t>(</a:t>
+            </a:r>
+            <a:r>
+              <a:rPr lang="el-GR" sz="3030" dirty="0">
+                <a:effectLst/>
+                <a:latin typeface="Times New Roman" panose="02020603050405020304" pitchFamily="18" charset="0"/>
+                <a:ea typeface="Calibri" panose="020F0502020204030204" pitchFamily="34" charset="0"/>
+                <a:cs typeface="Times New Roman" panose="02020603050405020304" pitchFamily="18" charset="0"/>
+              </a:rPr>
+              <a:t>ρ</a:t>
+            </a:r>
+            <a:r>
+              <a:rPr lang="en-US" sz="3030" dirty="0">
+                <a:latin typeface="Times New Roman" panose="02020603050405020304" pitchFamily="18" charset="0"/>
+                <a:cs typeface="Times New Roman" panose="02020603050405020304" pitchFamily="18" charset="0"/>
+              </a:rPr>
+              <a:t>)</a:t>
+            </a:r>
+          </a:p>
+        </p:txBody>
+      </p:sp>
+      <p:sp>
+        <p:nvSpPr>
+          <p:cNvPr id="35" name="TextBox 34">
+            <a:extLst>
+              <a:ext uri="{FF2B5EF4-FFF2-40B4-BE49-F238E27FC236}">
+                <a16:creationId xmlns:a16="http://schemas.microsoft.com/office/drawing/2014/main" id="{4DC4E4F6-BBB2-4E09-A161-86A9650DA20F}"/>
+              </a:ext>
+            </a:extLst>
+          </p:cNvPr>
+          <p:cNvSpPr txBox="1"/>
+          <p:nvPr/>
+        </p:nvSpPr>
+        <p:spPr>
+          <a:xfrm rot="16200000">
+            <a:off x="847918" y="6449273"/>
+            <a:ext cx="897597" cy="557243"/>
+          </a:xfrm>
+          <a:prstGeom prst="rect">
+            <a:avLst/>
+          </a:prstGeom>
+          <a:solidFill>
+            <a:schemeClr val="bg1"/>
+          </a:solidFill>
+        </p:spPr>
+        <p:txBody>
+          <a:bodyPr wrap="none" rtlCol="0">
+            <a:spAutoFit/>
+          </a:bodyPr>
+          <a:lstStyle/>
+          <a:p>
+            <a:r>
+              <a:rPr lang="en-US" sz="3032" dirty="0">
+                <a:latin typeface="Times New Roman" panose="02020603050405020304" pitchFamily="18" charset="0"/>
+                <a:cs typeface="Times New Roman" panose="02020603050405020304" pitchFamily="18" charset="0"/>
+              </a:rPr>
+              <a:t>PDF</a:t>
+            </a:r>
+          </a:p>
+        </p:txBody>
+      </p:sp>
       <p:grpSp>
         <p:nvGrpSpPr>
-          <p:cNvPr id="8" name="Group 7">
+          <p:cNvPr id="36" name="Group 35">
             <a:extLst>
               <a:ext uri="{FF2B5EF4-FFF2-40B4-BE49-F238E27FC236}">
-                <a16:creationId xmlns:a16="http://schemas.microsoft.com/office/drawing/2014/main" id="{070FD657-AEC5-41FC-B802-8129472F0A6C}"/>
+                <a16:creationId xmlns:a16="http://schemas.microsoft.com/office/drawing/2014/main" id="{5D85CFDF-C78B-4734-B28B-0B5348EC0E6A}"/>
               </a:ext>
             </a:extLst>
           </p:cNvPr>
@@ -3470,18 +3772,18 @@
         </p:nvGrpSpPr>
         <p:grpSpPr>
           <a:xfrm>
-            <a:off x="421515" y="13105956"/>
-            <a:ext cx="24791006" cy="12542713"/>
-            <a:chOff x="390679" y="12554583"/>
-            <a:chExt cx="24791006" cy="12542713"/>
+            <a:off x="21511467" y="1257028"/>
+            <a:ext cx="3222211" cy="861775"/>
+            <a:chOff x="21483123" y="6219785"/>
+            <a:chExt cx="3222211" cy="861775"/>
           </a:xfrm>
         </p:grpSpPr>
         <p:sp>
           <p:nvSpPr>
-            <p:cNvPr id="248" name="TextBox 247">
+            <p:cNvPr id="37" name="TextBox 36">
               <a:extLst>
                 <a:ext uri="{FF2B5EF4-FFF2-40B4-BE49-F238E27FC236}">
-                  <a16:creationId xmlns:a16="http://schemas.microsoft.com/office/drawing/2014/main" id="{9B8BF057-ABA4-42B2-95D2-3787713FF68A}"/>
+                  <a16:creationId xmlns:a16="http://schemas.microsoft.com/office/drawing/2014/main" id="{53AA56DD-D8B9-4022-8271-D19553386B1B}"/>
                 </a:ext>
               </a:extLst>
             </p:cNvPr>
@@ -3490,638 +3792,8 @@
           </p:nvSpPr>
           <p:spPr>
             <a:xfrm>
-              <a:off x="390679" y="12554583"/>
-              <a:ext cx="878761" cy="921471"/>
-            </a:xfrm>
-            <a:prstGeom prst="rect">
-              <a:avLst/>
-            </a:prstGeom>
-            <a:noFill/>
-          </p:spPr>
-          <p:txBody>
-            <a:bodyPr wrap="square" rtlCol="0">
-              <a:spAutoFit/>
-            </a:bodyPr>
-            <a:lstStyle/>
-            <a:p>
-              <a:r>
-                <a:rPr lang="en-US" sz="5388" b="1" dirty="0">
-                  <a:latin typeface="Times New Roman" panose="02020603050405020304" pitchFamily="18" charset="0"/>
-                  <a:cs typeface="Times New Roman" panose="02020603050405020304" pitchFamily="18" charset="0"/>
-                </a:rPr>
-                <a:t>B</a:t>
-              </a:r>
-            </a:p>
-          </p:txBody>
-        </p:sp>
-        <p:pic>
-          <p:nvPicPr>
-            <p:cNvPr id="1032" name="Picture 8">
-              <a:extLst>
-                <a:ext uri="{FF2B5EF4-FFF2-40B4-BE49-F238E27FC236}">
-                  <a16:creationId xmlns:a16="http://schemas.microsoft.com/office/drawing/2014/main" id="{70A4A0E5-5300-4B9F-805F-A0942AD0BCF2}"/>
-                </a:ext>
-              </a:extLst>
-            </p:cNvPr>
-            <p:cNvPicPr>
-              <a:picLocks noChangeAspect="1" noChangeArrowheads="1"/>
-            </p:cNvPicPr>
-            <p:nvPr/>
-          </p:nvPicPr>
-          <p:blipFill>
-            <a:blip r:embed="rId3">
-              <a:extLst>
-                <a:ext uri="{28A0092B-C50C-407E-A947-70E740481C1C}">
-                  <a14:useLocalDpi xmlns:a14="http://schemas.microsoft.com/office/drawing/2010/main" val="0"/>
-                </a:ext>
-              </a:extLst>
-            </a:blip>
-            <a:srcRect/>
-            <a:stretch>
-              <a:fillRect/>
-            </a:stretch>
-          </p:blipFill>
-          <p:spPr bwMode="auto">
-            <a:xfrm>
-              <a:off x="1085833" y="13002996"/>
-              <a:ext cx="24095852" cy="12094300"/>
-            </a:xfrm>
-            <a:prstGeom prst="rect">
-              <a:avLst/>
-            </a:prstGeom>
-            <a:noFill/>
-            <a:extLst>
-              <a:ext uri="{909E8E84-426E-40DD-AFC4-6F175D3DCCD1}">
-                <a14:hiddenFill xmlns:a14="http://schemas.microsoft.com/office/drawing/2010/main">
-                  <a:solidFill>
-                    <a:srgbClr val="FFFFFF"/>
-                  </a:solidFill>
-                </a14:hiddenFill>
-              </a:ext>
-            </a:extLst>
-          </p:spPr>
-        </p:pic>
-        <p:grpSp>
-          <p:nvGrpSpPr>
-            <p:cNvPr id="86" name="Group 85">
-              <a:extLst>
-                <a:ext uri="{FF2B5EF4-FFF2-40B4-BE49-F238E27FC236}">
-                  <a16:creationId xmlns:a16="http://schemas.microsoft.com/office/drawing/2014/main" id="{6CEAB938-4843-4CF3-94A8-348E82D39D2D}"/>
-                </a:ext>
-              </a:extLst>
-            </p:cNvPr>
-            <p:cNvGrpSpPr/>
-            <p:nvPr/>
-          </p:nvGrpSpPr>
-          <p:grpSpPr>
-            <a:xfrm>
-              <a:off x="21784400" y="13227409"/>
-              <a:ext cx="3222211" cy="800220"/>
-              <a:chOff x="21483123" y="6219785"/>
-              <a:chExt cx="3222211" cy="800220"/>
-            </a:xfrm>
-          </p:grpSpPr>
-          <p:sp>
-            <p:nvSpPr>
-              <p:cNvPr id="87" name="TextBox 86">
-                <a:extLst>
-                  <a:ext uri="{FF2B5EF4-FFF2-40B4-BE49-F238E27FC236}">
-                    <a16:creationId xmlns:a16="http://schemas.microsoft.com/office/drawing/2014/main" id="{62A895A3-C6A1-4F91-A569-468848EA7745}"/>
-                  </a:ext>
-                </a:extLst>
-              </p:cNvPr>
-              <p:cNvSpPr txBox="1"/>
-              <p:nvPr/>
-            </p:nvSpPr>
-            <p:spPr>
-              <a:xfrm>
-                <a:off x="22115702" y="6219785"/>
-                <a:ext cx="2589632" cy="400110"/>
-              </a:xfrm>
-              <a:prstGeom prst="rect">
-                <a:avLst/>
-              </a:prstGeom>
-              <a:solidFill>
-                <a:schemeClr val="bg1"/>
-              </a:solidFill>
-            </p:spPr>
-            <p:txBody>
-              <a:bodyPr wrap="square" rtlCol="0">
-                <a:spAutoFit/>
-              </a:bodyPr>
-              <a:lstStyle/>
-              <a:p>
-                <a:r>
-                  <a:rPr lang="en-US" sz="2000" dirty="0">
-                    <a:solidFill>
-                      <a:srgbClr val="202124"/>
-                    </a:solidFill>
-                    <a:latin typeface="Times New Roman" panose="02020603050405020304" pitchFamily="18" charset="0"/>
-                    <a:cs typeface="Times New Roman" panose="02020603050405020304" pitchFamily="18" charset="0"/>
-                  </a:rPr>
-                  <a:t>BindingDB</a:t>
-                </a:r>
-              </a:p>
-            </p:txBody>
-          </p:sp>
-          <p:sp>
-            <p:nvSpPr>
-              <p:cNvPr id="88" name="Rectangle 87">
-                <a:extLst>
-                  <a:ext uri="{FF2B5EF4-FFF2-40B4-BE49-F238E27FC236}">
-                    <a16:creationId xmlns:a16="http://schemas.microsoft.com/office/drawing/2014/main" id="{9DDEE438-E359-4E32-8DEF-EA7A191639F8}"/>
-                  </a:ext>
-                </a:extLst>
-              </p:cNvPr>
-              <p:cNvSpPr/>
-              <p:nvPr/>
-            </p:nvSpPr>
-            <p:spPr>
-              <a:xfrm>
-                <a:off x="21483123" y="6296644"/>
-                <a:ext cx="440857" cy="247772"/>
-              </a:xfrm>
-              <a:prstGeom prst="rect">
-                <a:avLst/>
-              </a:prstGeom>
-              <a:solidFill>
-                <a:srgbClr val="D6E5F0"/>
-              </a:solidFill>
-            </p:spPr>
-            <p:style>
-              <a:lnRef idx="2">
-                <a:schemeClr val="accent1">
-                  <a:shade val="50000"/>
-                </a:schemeClr>
-              </a:lnRef>
-              <a:fillRef idx="1">
-                <a:schemeClr val="accent1"/>
-              </a:fillRef>
-              <a:effectRef idx="0">
-                <a:schemeClr val="accent1"/>
-              </a:effectRef>
-              <a:fontRef idx="minor">
-                <a:schemeClr val="lt1"/>
-              </a:fontRef>
-            </p:style>
-            <p:txBody>
-              <a:bodyPr rtlCol="0" anchor="ctr"/>
-              <a:lstStyle/>
-              <a:p>
-                <a:pPr algn="ctr"/>
-                <a:endParaRPr lang="en-US"/>
-              </a:p>
-            </p:txBody>
-          </p:sp>
-          <p:sp>
-            <p:nvSpPr>
-              <p:cNvPr id="89" name="Rectangle 88">
-                <a:extLst>
-                  <a:ext uri="{FF2B5EF4-FFF2-40B4-BE49-F238E27FC236}">
-                    <a16:creationId xmlns:a16="http://schemas.microsoft.com/office/drawing/2014/main" id="{B0E54712-12C9-44FD-94C0-5067299B68A6}"/>
-                  </a:ext>
-                </a:extLst>
-              </p:cNvPr>
-              <p:cNvSpPr/>
-              <p:nvPr/>
-            </p:nvSpPr>
-            <p:spPr>
-              <a:xfrm>
-                <a:off x="21483123" y="6721369"/>
-                <a:ext cx="440857" cy="247772"/>
-              </a:xfrm>
-              <a:prstGeom prst="rect">
-                <a:avLst/>
-              </a:prstGeom>
-              <a:solidFill>
-                <a:srgbClr val="F9D0D0"/>
-              </a:solidFill>
-            </p:spPr>
-            <p:style>
-              <a:lnRef idx="2">
-                <a:schemeClr val="accent1">
-                  <a:shade val="50000"/>
-                </a:schemeClr>
-              </a:lnRef>
-              <a:fillRef idx="1">
-                <a:schemeClr val="accent1"/>
-              </a:fillRef>
-              <a:effectRef idx="0">
-                <a:schemeClr val="accent1"/>
-              </a:effectRef>
-              <a:fontRef idx="minor">
-                <a:schemeClr val="lt1"/>
-              </a:fontRef>
-            </p:style>
-            <p:txBody>
-              <a:bodyPr rtlCol="0" anchor="ctr"/>
-              <a:lstStyle/>
-              <a:p>
-                <a:pPr algn="ctr"/>
-                <a:endParaRPr lang="en-US"/>
-              </a:p>
-            </p:txBody>
-          </p:sp>
-          <p:sp>
-            <p:nvSpPr>
-              <p:cNvPr id="90" name="TextBox 89">
-                <a:extLst>
-                  <a:ext uri="{FF2B5EF4-FFF2-40B4-BE49-F238E27FC236}">
-                    <a16:creationId xmlns:a16="http://schemas.microsoft.com/office/drawing/2014/main" id="{4E3AFD06-0B95-405A-A853-874F6989AE0E}"/>
-                  </a:ext>
-                </a:extLst>
-              </p:cNvPr>
-              <p:cNvSpPr txBox="1"/>
-              <p:nvPr/>
-            </p:nvSpPr>
-            <p:spPr>
-              <a:xfrm>
-                <a:off x="22108850" y="6619895"/>
-                <a:ext cx="2589632" cy="400110"/>
-              </a:xfrm>
-              <a:prstGeom prst="rect">
-                <a:avLst/>
-              </a:prstGeom>
-              <a:solidFill>
-                <a:schemeClr val="bg1"/>
-              </a:solidFill>
-            </p:spPr>
-            <p:txBody>
-              <a:bodyPr wrap="square" rtlCol="0">
-                <a:spAutoFit/>
-              </a:bodyPr>
-              <a:lstStyle/>
-              <a:p>
-                <a:r>
-                  <a:rPr lang="en-US" sz="2000" dirty="0">
-                    <a:solidFill>
-                      <a:srgbClr val="202124"/>
-                    </a:solidFill>
-                    <a:latin typeface="Times New Roman" panose="02020603050405020304" pitchFamily="18" charset="0"/>
-                    <a:cs typeface="Times New Roman" panose="02020603050405020304" pitchFamily="18" charset="0"/>
-                  </a:rPr>
-                  <a:t>False Negatives</a:t>
-                </a:r>
-              </a:p>
-            </p:txBody>
-          </p:sp>
-        </p:grpSp>
-        <p:sp>
-          <p:nvSpPr>
-            <p:cNvPr id="91" name="TextBox 90">
-              <a:extLst>
-                <a:ext uri="{FF2B5EF4-FFF2-40B4-BE49-F238E27FC236}">
-                  <a16:creationId xmlns:a16="http://schemas.microsoft.com/office/drawing/2014/main" id="{E37459C0-7052-47DD-9786-375E9BB592C3}"/>
-                </a:ext>
-              </a:extLst>
-            </p:cNvPr>
-            <p:cNvSpPr txBox="1"/>
-            <p:nvPr/>
-          </p:nvSpPr>
-          <p:spPr>
-            <a:xfrm>
-              <a:off x="11969439" y="24534308"/>
-              <a:ext cx="3733201" cy="558936"/>
-            </a:xfrm>
-            <a:prstGeom prst="rect">
-              <a:avLst/>
-            </a:prstGeom>
-            <a:solidFill>
-              <a:schemeClr val="bg1"/>
-            </a:solidFill>
-          </p:spPr>
-          <p:txBody>
-            <a:bodyPr wrap="none" rtlCol="0">
-              <a:spAutoFit/>
-            </a:bodyPr>
-            <a:lstStyle/>
-            <a:p>
-              <a:r>
-                <a:rPr lang="en-US" sz="3032" dirty="0">
-                  <a:latin typeface="Times New Roman" panose="02020603050405020304" pitchFamily="18" charset="0"/>
-                  <a:cs typeface="Times New Roman" panose="02020603050405020304" pitchFamily="18" charset="0"/>
-                </a:rPr>
-                <a:t>Target degree ratio </a:t>
-              </a:r>
-              <a:r>
-                <a:rPr lang="en-US" sz="3030" dirty="0">
-                  <a:latin typeface="Times New Roman" panose="02020603050405020304" pitchFamily="18" charset="0"/>
-                  <a:cs typeface="Times New Roman" panose="02020603050405020304" pitchFamily="18" charset="0"/>
-                </a:rPr>
-                <a:t>(</a:t>
-              </a:r>
-              <a:r>
-                <a:rPr lang="el-GR" sz="3030" dirty="0">
-                  <a:effectLst/>
-                  <a:latin typeface="Times New Roman" panose="02020603050405020304" pitchFamily="18" charset="0"/>
-                  <a:ea typeface="Calibri" panose="020F0502020204030204" pitchFamily="34" charset="0"/>
-                  <a:cs typeface="Times New Roman" panose="02020603050405020304" pitchFamily="18" charset="0"/>
-                </a:rPr>
-                <a:t>ρ</a:t>
-              </a:r>
-              <a:r>
-                <a:rPr lang="en-US" sz="3030" baseline="-25000" dirty="0">
-                  <a:effectLst/>
-                  <a:latin typeface="Times New Roman" panose="02020603050405020304" pitchFamily="18" charset="0"/>
-                  <a:ea typeface="Calibri" panose="020F0502020204030204" pitchFamily="34" charset="0"/>
-                  <a:cs typeface="Times New Roman" panose="02020603050405020304" pitchFamily="18" charset="0"/>
-                </a:rPr>
-                <a:t>i</a:t>
-              </a:r>
-              <a:r>
-                <a:rPr lang="en-US" sz="3030" dirty="0">
-                  <a:latin typeface="Times New Roman" panose="02020603050405020304" pitchFamily="18" charset="0"/>
-                  <a:cs typeface="Times New Roman" panose="02020603050405020304" pitchFamily="18" charset="0"/>
-                </a:rPr>
-                <a:t>)</a:t>
-              </a:r>
-              <a:endParaRPr lang="en-US" sz="3032" dirty="0">
-                <a:latin typeface="Times New Roman" panose="02020603050405020304" pitchFamily="18" charset="0"/>
-                <a:cs typeface="Times New Roman" panose="02020603050405020304" pitchFamily="18" charset="0"/>
-              </a:endParaRPr>
-            </a:p>
-          </p:txBody>
-        </p:sp>
-        <p:sp>
-          <p:nvSpPr>
-            <p:cNvPr id="92" name="TextBox 91">
-              <a:extLst>
-                <a:ext uri="{FF2B5EF4-FFF2-40B4-BE49-F238E27FC236}">
-                  <a16:creationId xmlns:a16="http://schemas.microsoft.com/office/drawing/2014/main" id="{CDBC5124-978C-4A3F-8091-F7DC35A71A27}"/>
-                </a:ext>
-              </a:extLst>
-            </p:cNvPr>
-            <p:cNvSpPr txBox="1"/>
-            <p:nvPr/>
-          </p:nvSpPr>
-          <p:spPr>
-            <a:xfrm rot="16200000">
-              <a:off x="916300" y="18289689"/>
-              <a:ext cx="898002" cy="558936"/>
-            </a:xfrm>
-            <a:prstGeom prst="rect">
-              <a:avLst/>
-            </a:prstGeom>
-            <a:solidFill>
-              <a:schemeClr val="bg1"/>
-            </a:solidFill>
-          </p:spPr>
-          <p:txBody>
-            <a:bodyPr wrap="none" rtlCol="0">
-              <a:spAutoFit/>
-            </a:bodyPr>
-            <a:lstStyle/>
-            <a:p>
-              <a:r>
-                <a:rPr lang="en-US" sz="3032" dirty="0">
-                  <a:latin typeface="Times New Roman" panose="02020603050405020304" pitchFamily="18" charset="0"/>
-                  <a:cs typeface="Times New Roman" panose="02020603050405020304" pitchFamily="18" charset="0"/>
-                </a:rPr>
-                <a:t>PDF</a:t>
-              </a:r>
-            </a:p>
-          </p:txBody>
-        </p:sp>
-      </p:grpSp>
-      <p:grpSp>
-        <p:nvGrpSpPr>
-          <p:cNvPr id="9" name="Group 8">
-            <a:extLst>
-              <a:ext uri="{FF2B5EF4-FFF2-40B4-BE49-F238E27FC236}">
-                <a16:creationId xmlns:a16="http://schemas.microsoft.com/office/drawing/2014/main" id="{7229F165-18C4-4AC5-9E4B-2DD93A6AAF12}"/>
-              </a:ext>
-            </a:extLst>
-          </p:cNvPr>
-          <p:cNvGrpSpPr/>
-          <p:nvPr/>
-        </p:nvGrpSpPr>
-        <p:grpSpPr>
-          <a:xfrm>
-            <a:off x="578715" y="26273192"/>
-            <a:ext cx="24633806" cy="7481344"/>
-            <a:chOff x="547879" y="25526238"/>
-            <a:chExt cx="24633806" cy="7481344"/>
-          </a:xfrm>
-        </p:grpSpPr>
-        <p:pic>
-          <p:nvPicPr>
-            <p:cNvPr id="1028" name="Picture 4">
-              <a:extLst>
-                <a:ext uri="{FF2B5EF4-FFF2-40B4-BE49-F238E27FC236}">
-                  <a16:creationId xmlns:a16="http://schemas.microsoft.com/office/drawing/2014/main" id="{CC6282E6-0877-4EB9-AAAA-9884E1DCBD33}"/>
-                </a:ext>
-              </a:extLst>
-            </p:cNvPr>
-            <p:cNvPicPr>
-              <a:picLocks noChangeAspect="1" noChangeArrowheads="1"/>
-            </p:cNvPicPr>
-            <p:nvPr/>
-          </p:nvPicPr>
-          <p:blipFill>
-            <a:blip r:embed="rId4">
-              <a:extLst>
-                <a:ext uri="{28A0092B-C50C-407E-A947-70E740481C1C}">
-                  <a14:useLocalDpi xmlns:a14="http://schemas.microsoft.com/office/drawing/2010/main" val="0"/>
-                </a:ext>
-              </a:extLst>
-            </a:blip>
-            <a:srcRect/>
-            <a:stretch>
-              <a:fillRect/>
-            </a:stretch>
-          </p:blipFill>
-          <p:spPr bwMode="auto">
-            <a:xfrm>
-              <a:off x="2099178" y="26058144"/>
-              <a:ext cx="10398030" cy="6949438"/>
-            </a:xfrm>
-            <a:prstGeom prst="rect">
-              <a:avLst/>
-            </a:prstGeom>
-            <a:noFill/>
-            <a:extLst>
-              <a:ext uri="{909E8E84-426E-40DD-AFC4-6F175D3DCCD1}">
-                <a14:hiddenFill xmlns:a14="http://schemas.microsoft.com/office/drawing/2010/main">
-                  <a:solidFill>
-                    <a:srgbClr val="FFFFFF"/>
-                  </a:solidFill>
-                </a14:hiddenFill>
-              </a:ext>
-            </a:extLst>
-          </p:spPr>
-        </p:pic>
-        <p:pic>
-          <p:nvPicPr>
-            <p:cNvPr id="1034" name="Picture 10">
-              <a:extLst>
-                <a:ext uri="{FF2B5EF4-FFF2-40B4-BE49-F238E27FC236}">
-                  <a16:creationId xmlns:a16="http://schemas.microsoft.com/office/drawing/2014/main" id="{EB8F9932-D489-46DC-83FF-C5CDE0639904}"/>
-                </a:ext>
-              </a:extLst>
-            </p:cNvPr>
-            <p:cNvPicPr>
-              <a:picLocks noChangeAspect="1" noChangeArrowheads="1"/>
-            </p:cNvPicPr>
-            <p:nvPr/>
-          </p:nvPicPr>
-          <p:blipFill>
-            <a:blip r:embed="rId5">
-              <a:extLst>
-                <a:ext uri="{28A0092B-C50C-407E-A947-70E740481C1C}">
-                  <a14:useLocalDpi xmlns:a14="http://schemas.microsoft.com/office/drawing/2010/main" val="0"/>
-                </a:ext>
-              </a:extLst>
-            </a:blip>
-            <a:srcRect/>
-            <a:stretch>
-              <a:fillRect/>
-            </a:stretch>
-          </p:blipFill>
-          <p:spPr bwMode="auto">
-            <a:xfrm>
-              <a:off x="14417894" y="25986974"/>
-              <a:ext cx="10763791" cy="6949438"/>
-            </a:xfrm>
-            <a:prstGeom prst="rect">
-              <a:avLst/>
-            </a:prstGeom>
-            <a:noFill/>
-            <a:extLst>
-              <a:ext uri="{909E8E84-426E-40DD-AFC4-6F175D3DCCD1}">
-                <a14:hiddenFill xmlns:a14="http://schemas.microsoft.com/office/drawing/2010/main">
-                  <a:solidFill>
-                    <a:srgbClr val="FFFFFF"/>
-                  </a:solidFill>
-                </a14:hiddenFill>
-              </a:ext>
-            </a:extLst>
-          </p:spPr>
-        </p:pic>
-        <p:sp>
-          <p:nvSpPr>
-            <p:cNvPr id="96" name="TextBox 95">
-              <a:extLst>
-                <a:ext uri="{FF2B5EF4-FFF2-40B4-BE49-F238E27FC236}">
-                  <a16:creationId xmlns:a16="http://schemas.microsoft.com/office/drawing/2014/main" id="{E7775492-BE11-4DD4-BE55-15EA2AC5572B}"/>
-                </a:ext>
-              </a:extLst>
-            </p:cNvPr>
-            <p:cNvSpPr txBox="1"/>
-            <p:nvPr/>
-          </p:nvSpPr>
-          <p:spPr>
-            <a:xfrm>
-              <a:off x="547879" y="25526238"/>
-              <a:ext cx="878761" cy="921471"/>
-            </a:xfrm>
-            <a:prstGeom prst="rect">
-              <a:avLst/>
-            </a:prstGeom>
-            <a:noFill/>
-          </p:spPr>
-          <p:txBody>
-            <a:bodyPr wrap="square" rtlCol="0">
-              <a:spAutoFit/>
-            </a:bodyPr>
-            <a:lstStyle/>
-            <a:p>
-              <a:r>
-                <a:rPr lang="en-US" sz="5388" b="1" dirty="0">
-                  <a:latin typeface="Times New Roman" panose="02020603050405020304" pitchFamily="18" charset="0"/>
-                  <a:cs typeface="Times New Roman" panose="02020603050405020304" pitchFamily="18" charset="0"/>
-                </a:rPr>
-                <a:t>C</a:t>
-              </a:r>
-            </a:p>
-          </p:txBody>
-        </p:sp>
-        <p:sp>
-          <p:nvSpPr>
-            <p:cNvPr id="97" name="TextBox 96">
-              <a:extLst>
-                <a:ext uri="{FF2B5EF4-FFF2-40B4-BE49-F238E27FC236}">
-                  <a16:creationId xmlns:a16="http://schemas.microsoft.com/office/drawing/2014/main" id="{3614D741-0DD2-4858-8977-95AFE8FA290B}"/>
-                </a:ext>
-              </a:extLst>
-            </p:cNvPr>
-            <p:cNvSpPr txBox="1"/>
-            <p:nvPr/>
-          </p:nvSpPr>
-          <p:spPr>
-            <a:xfrm>
-              <a:off x="6130735" y="32484362"/>
-              <a:ext cx="3988503" cy="523220"/>
-            </a:xfrm>
-            <a:prstGeom prst="rect">
-              <a:avLst/>
-            </a:prstGeom>
-            <a:solidFill>
-              <a:schemeClr val="bg1"/>
-            </a:solidFill>
-          </p:spPr>
-          <p:txBody>
-            <a:bodyPr wrap="square" rtlCol="0">
-              <a:spAutoFit/>
-            </a:bodyPr>
-            <a:lstStyle/>
-            <a:p>
-              <a:r>
-                <a:rPr lang="en-US" sz="2800" dirty="0">
-                  <a:solidFill>
-                    <a:srgbClr val="202124"/>
-                  </a:solidFill>
-                  <a:latin typeface="Times New Roman" panose="02020603050405020304" pitchFamily="18" charset="0"/>
-                  <a:cs typeface="Times New Roman" panose="02020603050405020304" pitchFamily="18" charset="0"/>
-                </a:rPr>
-                <a:t>Ligand degree ratio (</a:t>
-              </a:r>
-              <a:r>
-                <a:rPr lang="el-GR" sz="2800" dirty="0">
-                  <a:effectLst/>
-                  <a:latin typeface="Times New Roman" panose="02020603050405020304" pitchFamily="18" charset="0"/>
-                  <a:ea typeface="Calibri" panose="020F0502020204030204" pitchFamily="34" charset="0"/>
-                  <a:cs typeface="Times New Roman" panose="02020603050405020304" pitchFamily="18" charset="0"/>
-                </a:rPr>
-                <a:t>ρ</a:t>
-              </a:r>
-              <a:r>
-                <a:rPr lang="en-US" sz="2800" baseline="-25000" dirty="0">
-                  <a:effectLst/>
-                  <a:latin typeface="Times New Roman" panose="02020603050405020304" pitchFamily="18" charset="0"/>
-                  <a:ea typeface="Calibri" panose="020F0502020204030204" pitchFamily="34" charset="0"/>
-                  <a:cs typeface="Times New Roman" panose="02020603050405020304" pitchFamily="18" charset="0"/>
-                </a:rPr>
-                <a:t>i</a:t>
-              </a:r>
-              <a:r>
-                <a:rPr lang="en-US" sz="2800" dirty="0">
-                  <a:solidFill>
-                    <a:srgbClr val="202124"/>
-                  </a:solidFill>
-                  <a:latin typeface="Times New Roman" panose="02020603050405020304" pitchFamily="18" charset="0"/>
-                  <a:cs typeface="Times New Roman" panose="02020603050405020304" pitchFamily="18" charset="0"/>
-                </a:rPr>
-                <a:t>)</a:t>
-              </a:r>
-            </a:p>
-          </p:txBody>
-        </p:sp>
-        <p:sp>
-          <p:nvSpPr>
-            <p:cNvPr id="98" name="TextBox 97">
-              <a:extLst>
-                <a:ext uri="{FF2B5EF4-FFF2-40B4-BE49-F238E27FC236}">
-                  <a16:creationId xmlns:a16="http://schemas.microsoft.com/office/drawing/2014/main" id="{6890B73C-8A57-4ED1-B21E-3C6657B8AEF6}"/>
-                </a:ext>
-              </a:extLst>
-            </p:cNvPr>
-            <p:cNvSpPr txBox="1"/>
-            <p:nvPr/>
-          </p:nvSpPr>
-          <p:spPr>
-            <a:xfrm rot="16200000">
-              <a:off x="543052" y="28868896"/>
-              <a:ext cx="3440255" cy="461665"/>
+              <a:off x="22115702" y="6219785"/>
+              <a:ext cx="2589632" cy="461665"/>
             </a:xfrm>
             <a:prstGeom prst="rect">
               <a:avLst/>
@@ -4144,21 +3816,115 @@
                   <a:latin typeface="Times New Roman" panose="02020603050405020304" pitchFamily="18" charset="0"/>
                   <a:cs typeface="Times New Roman" panose="02020603050405020304" pitchFamily="18" charset="0"/>
                 </a:rPr>
-                <a:t>DeepPurpose Prediction</a:t>
+                <a:t>Whole BindingDB</a:t>
               </a:r>
-              <a:endParaRPr lang="en-US" sz="2400" dirty="0">
-                <a:latin typeface="Times New Roman" panose="02020603050405020304" pitchFamily="18" charset="0"/>
-                <a:cs typeface="Times New Roman" panose="02020603050405020304" pitchFamily="18" charset="0"/>
-              </a:endParaRPr>
             </a:p>
           </p:txBody>
         </p:sp>
         <p:sp>
           <p:nvSpPr>
-            <p:cNvPr id="99" name="TextBox 98">
+            <p:cNvPr id="38" name="Rectangle 37">
               <a:extLst>
                 <a:ext uri="{FF2B5EF4-FFF2-40B4-BE49-F238E27FC236}">
-                  <a16:creationId xmlns:a16="http://schemas.microsoft.com/office/drawing/2014/main" id="{C57A5D06-AB94-41FE-92EE-CAE08BDAF3FF}"/>
+                  <a16:creationId xmlns:a16="http://schemas.microsoft.com/office/drawing/2014/main" id="{7F8D1330-3D69-47A6-BFC6-A96A09ECC6B2}"/>
+                </a:ext>
+              </a:extLst>
+            </p:cNvPr>
+            <p:cNvSpPr/>
+            <p:nvPr/>
+          </p:nvSpPr>
+          <p:spPr>
+            <a:xfrm>
+              <a:off x="21483123" y="6296644"/>
+              <a:ext cx="440857" cy="247772"/>
+            </a:xfrm>
+            <a:prstGeom prst="rect">
+              <a:avLst/>
+            </a:prstGeom>
+            <a:solidFill>
+              <a:srgbClr val="D6E5F0"/>
+            </a:solidFill>
+          </p:spPr>
+          <p:style>
+            <a:lnRef idx="2">
+              <a:schemeClr val="accent1">
+                <a:shade val="50000"/>
+              </a:schemeClr>
+            </a:lnRef>
+            <a:fillRef idx="1">
+              <a:schemeClr val="accent1"/>
+            </a:fillRef>
+            <a:effectRef idx="0">
+              <a:schemeClr val="accent1"/>
+            </a:effectRef>
+            <a:fontRef idx="minor">
+              <a:schemeClr val="lt1"/>
+            </a:fontRef>
+          </p:style>
+          <p:txBody>
+            <a:bodyPr rtlCol="0" anchor="ctr"/>
+            <a:lstStyle/>
+            <a:p>
+              <a:pPr algn="ctr"/>
+              <a:endParaRPr lang="en-US"/>
+            </a:p>
+          </p:txBody>
+        </p:sp>
+        <p:sp>
+          <p:nvSpPr>
+            <p:cNvPr id="39" name="Rectangle 38">
+              <a:extLst>
+                <a:ext uri="{FF2B5EF4-FFF2-40B4-BE49-F238E27FC236}">
+                  <a16:creationId xmlns:a16="http://schemas.microsoft.com/office/drawing/2014/main" id="{4B5A240D-1E5A-4A27-AA89-DDC3DAC530FF}"/>
+                </a:ext>
+              </a:extLst>
+            </p:cNvPr>
+            <p:cNvSpPr/>
+            <p:nvPr/>
+          </p:nvSpPr>
+          <p:spPr>
+            <a:xfrm>
+              <a:off x="21483123" y="6721369"/>
+              <a:ext cx="440857" cy="247772"/>
+            </a:xfrm>
+            <a:prstGeom prst="rect">
+              <a:avLst/>
+            </a:prstGeom>
+            <a:solidFill>
+              <a:srgbClr val="F9D0D0"/>
+            </a:solidFill>
+          </p:spPr>
+          <p:style>
+            <a:lnRef idx="2">
+              <a:schemeClr val="accent1">
+                <a:shade val="50000"/>
+              </a:schemeClr>
+            </a:lnRef>
+            <a:fillRef idx="1">
+              <a:schemeClr val="accent1"/>
+            </a:fillRef>
+            <a:effectRef idx="0">
+              <a:schemeClr val="accent1"/>
+            </a:effectRef>
+            <a:fontRef idx="minor">
+              <a:schemeClr val="lt1"/>
+            </a:fontRef>
+          </p:style>
+          <p:txBody>
+            <a:bodyPr rtlCol="0" anchor="ctr"/>
+            <a:lstStyle/>
+            <a:p>
+              <a:pPr algn="ctr"/>
+              <a:endParaRPr lang="en-US"/>
+            </a:p>
+          </p:txBody>
+        </p:sp>
+        <p:sp>
+          <p:nvSpPr>
+            <p:cNvPr id="40" name="TextBox 39">
+              <a:extLst>
+                <a:ext uri="{FF2B5EF4-FFF2-40B4-BE49-F238E27FC236}">
+                  <a16:creationId xmlns:a16="http://schemas.microsoft.com/office/drawing/2014/main" id="{BE76AE11-ADBB-4C7E-9E90-292C44E3907C}"/>
                 </a:ext>
               </a:extLst>
             </p:cNvPr>
@@ -4166,9 +3932,9 @@
             <p:nvPr/>
           </p:nvSpPr>
           <p:spPr>
-            <a:xfrm rot="16200000">
-              <a:off x="12866558" y="28868895"/>
-              <a:ext cx="3440255" cy="461665"/>
+            <a:xfrm>
+              <a:off x="22108850" y="6619895"/>
+              <a:ext cx="2589632" cy="461665"/>
             </a:xfrm>
             <a:prstGeom prst="rect">
               <a:avLst/>
@@ -4191,21 +3957,85 @@
                   <a:latin typeface="Times New Roman" panose="02020603050405020304" pitchFamily="18" charset="0"/>
                   <a:cs typeface="Times New Roman" panose="02020603050405020304" pitchFamily="18" charset="0"/>
                 </a:rPr>
-                <a:t>DeepPurpose Prediction</a:t>
+                <a:t>False Negatives</a:t>
               </a:r>
-              <a:endParaRPr lang="en-US" sz="2400" dirty="0">
-                <a:latin typeface="Times New Roman" panose="02020603050405020304" pitchFamily="18" charset="0"/>
-                <a:cs typeface="Times New Roman" panose="02020603050405020304" pitchFamily="18" charset="0"/>
-              </a:endParaRPr>
             </a:p>
           </p:txBody>
         </p:sp>
+      </p:grpSp>
+      <p:pic>
+        <p:nvPicPr>
+          <p:cNvPr id="3" name="Picture 4">
+            <a:extLst>
+              <a:ext uri="{FF2B5EF4-FFF2-40B4-BE49-F238E27FC236}">
+                <a16:creationId xmlns:a16="http://schemas.microsoft.com/office/drawing/2014/main" id="{48A7CFDE-A282-43BE-9045-112C97157A9D}"/>
+              </a:ext>
+            </a:extLst>
+          </p:cNvPr>
+          <p:cNvPicPr>
+            <a:picLocks noChangeAspect="1" noChangeArrowheads="1"/>
+          </p:cNvPicPr>
+          <p:nvPr/>
+        </p:nvPicPr>
+        <p:blipFill>
+          <a:blip r:embed="rId4">
+            <a:extLst>
+              <a:ext uri="{28A0092B-C50C-407E-A947-70E740481C1C}">
+                <a14:useLocalDpi xmlns:a14="http://schemas.microsoft.com/office/drawing/2010/main" val="0"/>
+              </a:ext>
+            </a:extLst>
+          </a:blip>
+          <a:srcRect/>
+          <a:stretch>
+            <a:fillRect/>
+          </a:stretch>
+        </p:blipFill>
+        <p:spPr bwMode="auto">
+          <a:xfrm>
+            <a:off x="1116669" y="13596564"/>
+            <a:ext cx="23946269" cy="12130311"/>
+          </a:xfrm>
+          <a:prstGeom prst="rect">
+            <a:avLst/>
+          </a:prstGeom>
+          <a:noFill/>
+          <a:extLst>
+            <a:ext uri="{909E8E84-426E-40DD-AFC4-6F175D3DCCD1}">
+              <a14:hiddenFill xmlns:a14="http://schemas.microsoft.com/office/drawing/2010/main">
+                <a:solidFill>
+                  <a:srgbClr val="FFFFFF"/>
+                </a:solidFill>
+              </a14:hiddenFill>
+            </a:ext>
+          </a:extLst>
+        </p:spPr>
+      </p:pic>
+      <p:grpSp>
+        <p:nvGrpSpPr>
+          <p:cNvPr id="42" name="Group 41">
+            <a:extLst>
+              <a:ext uri="{FF2B5EF4-FFF2-40B4-BE49-F238E27FC236}">
+                <a16:creationId xmlns:a16="http://schemas.microsoft.com/office/drawing/2014/main" id="{A0E5F22A-C1C9-4C32-8AAD-8591F375822F}"/>
+              </a:ext>
+            </a:extLst>
+          </p:cNvPr>
+          <p:cNvGrpSpPr/>
+          <p:nvPr/>
+        </p:nvGrpSpPr>
+        <p:grpSpPr>
+          <a:xfrm>
+            <a:off x="21504615" y="13855035"/>
+            <a:ext cx="3222211" cy="861775"/>
+            <a:chOff x="21483123" y="6219785"/>
+            <a:chExt cx="3222211" cy="861775"/>
+          </a:xfrm>
+        </p:grpSpPr>
         <p:sp>
           <p:nvSpPr>
-            <p:cNvPr id="100" name="TextBox 99">
+            <p:cNvPr id="43" name="TextBox 42">
               <a:extLst>
                 <a:ext uri="{FF2B5EF4-FFF2-40B4-BE49-F238E27FC236}">
-                  <a16:creationId xmlns:a16="http://schemas.microsoft.com/office/drawing/2014/main" id="{F2C4CB78-0CB5-4EF7-8EEF-C5FA3BFFDAE7}"/>
+                  <a16:creationId xmlns:a16="http://schemas.microsoft.com/office/drawing/2014/main" id="{582A3DD2-48A5-4E69-AC43-F1F4DE864CD5}"/>
                 </a:ext>
               </a:extLst>
             </p:cNvPr>
@@ -4214,8 +4044,8 @@
           </p:nvSpPr>
           <p:spPr>
             <a:xfrm>
-              <a:off x="18421624" y="32484362"/>
-              <a:ext cx="3988503" cy="523220"/>
+              <a:off x="22115702" y="6219785"/>
+              <a:ext cx="2589632" cy="461665"/>
             </a:xfrm>
             <a:prstGeom prst="rect">
               <a:avLst/>
@@ -4231,501 +4061,166 @@
             <a:lstStyle/>
             <a:p>
               <a:r>
-                <a:rPr lang="en-US" sz="2800" dirty="0">
+                <a:rPr lang="en-US" sz="2400" dirty="0">
                   <a:solidFill>
                     <a:srgbClr val="202124"/>
                   </a:solidFill>
                   <a:latin typeface="Times New Roman" panose="02020603050405020304" pitchFamily="18" charset="0"/>
                   <a:cs typeface="Times New Roman" panose="02020603050405020304" pitchFamily="18" charset="0"/>
                 </a:rPr>
-                <a:t>Protein degree ratio (</a:t>
+                <a:t>Whole BindingDB</a:t>
               </a:r>
+            </a:p>
+          </p:txBody>
+        </p:sp>
+        <p:sp>
+          <p:nvSpPr>
+            <p:cNvPr id="44" name="Rectangle 43">
+              <a:extLst>
+                <a:ext uri="{FF2B5EF4-FFF2-40B4-BE49-F238E27FC236}">
+                  <a16:creationId xmlns:a16="http://schemas.microsoft.com/office/drawing/2014/main" id="{8A90E0F0-FDE8-4111-AC45-C665347F5021}"/>
+                </a:ext>
+              </a:extLst>
+            </p:cNvPr>
+            <p:cNvSpPr/>
+            <p:nvPr/>
+          </p:nvSpPr>
+          <p:spPr>
+            <a:xfrm>
+              <a:off x="21483123" y="6296644"/>
+              <a:ext cx="440857" cy="247772"/>
+            </a:xfrm>
+            <a:prstGeom prst="rect">
+              <a:avLst/>
+            </a:prstGeom>
+            <a:solidFill>
+              <a:srgbClr val="D6E5F0"/>
+            </a:solidFill>
+          </p:spPr>
+          <p:style>
+            <a:lnRef idx="2">
+              <a:schemeClr val="accent1">
+                <a:shade val="50000"/>
+              </a:schemeClr>
+            </a:lnRef>
+            <a:fillRef idx="1">
+              <a:schemeClr val="accent1"/>
+            </a:fillRef>
+            <a:effectRef idx="0">
+              <a:schemeClr val="accent1"/>
+            </a:effectRef>
+            <a:fontRef idx="minor">
+              <a:schemeClr val="lt1"/>
+            </a:fontRef>
+          </p:style>
+          <p:txBody>
+            <a:bodyPr rtlCol="0" anchor="ctr"/>
+            <a:lstStyle/>
+            <a:p>
+              <a:pPr algn="ctr"/>
+              <a:endParaRPr lang="en-US"/>
+            </a:p>
+          </p:txBody>
+        </p:sp>
+        <p:sp>
+          <p:nvSpPr>
+            <p:cNvPr id="45" name="Rectangle 44">
+              <a:extLst>
+                <a:ext uri="{FF2B5EF4-FFF2-40B4-BE49-F238E27FC236}">
+                  <a16:creationId xmlns:a16="http://schemas.microsoft.com/office/drawing/2014/main" id="{7D0A4C2A-FAFA-464F-B9A5-C513072C734D}"/>
+                </a:ext>
+              </a:extLst>
+            </p:cNvPr>
+            <p:cNvSpPr/>
+            <p:nvPr/>
+          </p:nvSpPr>
+          <p:spPr>
+            <a:xfrm>
+              <a:off x="21483123" y="6721369"/>
+              <a:ext cx="440857" cy="247772"/>
+            </a:xfrm>
+            <a:prstGeom prst="rect">
+              <a:avLst/>
+            </a:prstGeom>
+            <a:solidFill>
+              <a:srgbClr val="F9D0D0"/>
+            </a:solidFill>
+          </p:spPr>
+          <p:style>
+            <a:lnRef idx="2">
+              <a:schemeClr val="accent1">
+                <a:shade val="50000"/>
+              </a:schemeClr>
+            </a:lnRef>
+            <a:fillRef idx="1">
+              <a:schemeClr val="accent1"/>
+            </a:fillRef>
+            <a:effectRef idx="0">
+              <a:schemeClr val="accent1"/>
+            </a:effectRef>
+            <a:fontRef idx="minor">
+              <a:schemeClr val="lt1"/>
+            </a:fontRef>
+          </p:style>
+          <p:txBody>
+            <a:bodyPr rtlCol="0" anchor="ctr"/>
+            <a:lstStyle/>
+            <a:p>
+              <a:pPr algn="ctr"/>
+              <a:endParaRPr lang="en-US"/>
+            </a:p>
+          </p:txBody>
+        </p:sp>
+        <p:sp>
+          <p:nvSpPr>
+            <p:cNvPr id="46" name="TextBox 45">
+              <a:extLst>
+                <a:ext uri="{FF2B5EF4-FFF2-40B4-BE49-F238E27FC236}">
+                  <a16:creationId xmlns:a16="http://schemas.microsoft.com/office/drawing/2014/main" id="{55498196-FFC2-49FA-954B-8E3005AD4023}"/>
+                </a:ext>
+              </a:extLst>
+            </p:cNvPr>
+            <p:cNvSpPr txBox="1"/>
+            <p:nvPr/>
+          </p:nvSpPr>
+          <p:spPr>
+            <a:xfrm>
+              <a:off x="22108850" y="6619895"/>
+              <a:ext cx="2589632" cy="461665"/>
+            </a:xfrm>
+            <a:prstGeom prst="rect">
+              <a:avLst/>
+            </a:prstGeom>
+            <a:solidFill>
+              <a:schemeClr val="bg1"/>
+            </a:solidFill>
+          </p:spPr>
+          <p:txBody>
+            <a:bodyPr wrap="square" rtlCol="0">
+              <a:spAutoFit/>
+            </a:bodyPr>
+            <a:lstStyle/>
+            <a:p>
               <a:r>
-                <a:rPr lang="el-GR" sz="2800" dirty="0">
-                  <a:effectLst/>
-                  <a:latin typeface="Times New Roman" panose="02020603050405020304" pitchFamily="18" charset="0"/>
-                  <a:ea typeface="Calibri" panose="020F0502020204030204" pitchFamily="34" charset="0"/>
-                  <a:cs typeface="Times New Roman" panose="02020603050405020304" pitchFamily="18" charset="0"/>
-                </a:rPr>
-                <a:t>ρ</a:t>
-              </a:r>
-              <a:r>
-                <a:rPr lang="en-US" sz="2800" baseline="-25000" dirty="0">
-                  <a:effectLst/>
-                  <a:latin typeface="Times New Roman" panose="02020603050405020304" pitchFamily="18" charset="0"/>
-                  <a:ea typeface="Calibri" panose="020F0502020204030204" pitchFamily="34" charset="0"/>
-                  <a:cs typeface="Times New Roman" panose="02020603050405020304" pitchFamily="18" charset="0"/>
-                </a:rPr>
-                <a:t>i</a:t>
-              </a:r>
-              <a:r>
-                <a:rPr lang="en-US" sz="2800" dirty="0">
+                <a:rPr lang="en-US" sz="2400" dirty="0">
                   <a:solidFill>
                     <a:srgbClr val="202124"/>
                   </a:solidFill>
                   <a:latin typeface="Times New Roman" panose="02020603050405020304" pitchFamily="18" charset="0"/>
                   <a:cs typeface="Times New Roman" panose="02020603050405020304" pitchFamily="18" charset="0"/>
                 </a:rPr>
-                <a:t>)</a:t>
+                <a:t>False Negatives</a:t>
               </a:r>
-              <a:endParaRPr lang="en-US" sz="2800" dirty="0">
-                <a:latin typeface="Times New Roman" panose="02020603050405020304" pitchFamily="18" charset="0"/>
-                <a:cs typeface="Times New Roman" panose="02020603050405020304" pitchFamily="18" charset="0"/>
-              </a:endParaRPr>
             </a:p>
           </p:txBody>
         </p:sp>
       </p:grpSp>
-      <p:grpSp>
-        <p:nvGrpSpPr>
-          <p:cNvPr id="7" name="Group 6">
+      <p:sp>
+        <p:nvSpPr>
+          <p:cNvPr id="47" name="TextBox 46">
             <a:extLst>
               <a:ext uri="{FF2B5EF4-FFF2-40B4-BE49-F238E27FC236}">
-                <a16:creationId xmlns:a16="http://schemas.microsoft.com/office/drawing/2014/main" id="{2EA02A94-68D7-4CCF-B042-BCEEA33DE78D}"/>
-              </a:ext>
-            </a:extLst>
-          </p:cNvPr>
-          <p:cNvGrpSpPr/>
-          <p:nvPr/>
-        </p:nvGrpSpPr>
-        <p:grpSpPr>
-          <a:xfrm>
-            <a:off x="421515" y="99885"/>
-            <a:ext cx="24791006" cy="12643792"/>
-            <a:chOff x="390680" y="47195"/>
-            <a:chExt cx="24791006" cy="12643792"/>
-          </a:xfrm>
-        </p:grpSpPr>
-        <p:grpSp>
-          <p:nvGrpSpPr>
-            <p:cNvPr id="6" name="Group 5">
-              <a:extLst>
-                <a:ext uri="{FF2B5EF4-FFF2-40B4-BE49-F238E27FC236}">
-                  <a16:creationId xmlns:a16="http://schemas.microsoft.com/office/drawing/2014/main" id="{88E04E86-28F9-4509-9E56-3B0EA043727C}"/>
-                </a:ext>
-              </a:extLst>
-            </p:cNvPr>
-            <p:cNvGrpSpPr/>
-            <p:nvPr/>
-          </p:nvGrpSpPr>
-          <p:grpSpPr>
-            <a:xfrm>
-              <a:off x="390680" y="47195"/>
-              <a:ext cx="24791006" cy="12643792"/>
-              <a:chOff x="338227" y="131414"/>
-              <a:chExt cx="24866305" cy="12649510"/>
-            </a:xfrm>
-          </p:grpSpPr>
-          <p:sp>
-            <p:nvSpPr>
-              <p:cNvPr id="49" name="TextBox 48">
-                <a:extLst>
-                  <a:ext uri="{FF2B5EF4-FFF2-40B4-BE49-F238E27FC236}">
-                    <a16:creationId xmlns:a16="http://schemas.microsoft.com/office/drawing/2014/main" id="{5ABA8ECE-C61E-475C-9C9A-792866AA51D6}"/>
-                  </a:ext>
-                </a:extLst>
-              </p:cNvPr>
-              <p:cNvSpPr txBox="1"/>
-              <p:nvPr/>
-            </p:nvSpPr>
-            <p:spPr>
-              <a:xfrm rot="10800000" flipV="1">
-                <a:off x="338227" y="131414"/>
-                <a:ext cx="2155785" cy="921471"/>
-              </a:xfrm>
-              <a:prstGeom prst="rect">
-                <a:avLst/>
-              </a:prstGeom>
-              <a:noFill/>
-            </p:spPr>
-            <p:txBody>
-              <a:bodyPr wrap="square" rtlCol="0">
-                <a:spAutoFit/>
-              </a:bodyPr>
-              <a:lstStyle/>
-              <a:p>
-                <a:r>
-                  <a:rPr lang="en-US" sz="5388" b="1" dirty="0">
-                    <a:latin typeface="Times New Roman" panose="02020603050405020304" pitchFamily="18" charset="0"/>
-                    <a:cs typeface="Times New Roman" panose="02020603050405020304" pitchFamily="18" charset="0"/>
-                  </a:rPr>
-                  <a:t>A</a:t>
-                </a:r>
-              </a:p>
-            </p:txBody>
-          </p:sp>
-          <p:pic>
-            <p:nvPicPr>
-              <p:cNvPr id="1026" name="Picture 2">
-                <a:extLst>
-                  <a:ext uri="{FF2B5EF4-FFF2-40B4-BE49-F238E27FC236}">
-                    <a16:creationId xmlns:a16="http://schemas.microsoft.com/office/drawing/2014/main" id="{8AE77468-E146-4DDF-A913-56AF2A0E4511}"/>
-                  </a:ext>
-                </a:extLst>
-              </p:cNvPr>
-              <p:cNvPicPr>
-                <a:picLocks noChangeAspect="1" noChangeArrowheads="1"/>
-              </p:cNvPicPr>
-              <p:nvPr/>
-            </p:nvPicPr>
-            <p:blipFill>
-              <a:blip r:embed="rId6">
-                <a:extLst>
-                  <a:ext uri="{28A0092B-C50C-407E-A947-70E740481C1C}">
-                    <a14:useLocalDpi xmlns:a14="http://schemas.microsoft.com/office/drawing/2010/main" val="0"/>
-                  </a:ext>
-                </a:extLst>
-              </a:blip>
-              <a:srcRect/>
-              <a:stretch>
-                <a:fillRect/>
-              </a:stretch>
-            </p:blipFill>
-            <p:spPr bwMode="auto">
-              <a:xfrm>
-                <a:off x="1365301" y="602651"/>
-                <a:ext cx="23839231" cy="12030324"/>
-              </a:xfrm>
-              <a:prstGeom prst="rect">
-                <a:avLst/>
-              </a:prstGeom>
-              <a:noFill/>
-              <a:extLst>
-                <a:ext uri="{909E8E84-426E-40DD-AFC4-6F175D3DCCD1}">
-                  <a14:hiddenFill xmlns:a14="http://schemas.microsoft.com/office/drawing/2010/main">
-                    <a:solidFill>
-                      <a:srgbClr val="FFFFFF"/>
-                    </a:solidFill>
-                  </a14:hiddenFill>
-                </a:ext>
-              </a:extLst>
-            </p:spPr>
-          </p:pic>
-          <p:sp>
-            <p:nvSpPr>
-              <p:cNvPr id="84" name="TextBox 83">
-                <a:extLst>
-                  <a:ext uri="{FF2B5EF4-FFF2-40B4-BE49-F238E27FC236}">
-                    <a16:creationId xmlns:a16="http://schemas.microsoft.com/office/drawing/2014/main" id="{3CCC8F55-7EDF-45DB-95C7-9AD6670900E9}"/>
-                  </a:ext>
-                </a:extLst>
-              </p:cNvPr>
-              <p:cNvSpPr txBox="1"/>
-              <p:nvPr/>
-            </p:nvSpPr>
-            <p:spPr>
-              <a:xfrm>
-                <a:off x="11909872" y="12221735"/>
-                <a:ext cx="3864038" cy="559189"/>
-              </a:xfrm>
-              <a:prstGeom prst="rect">
-                <a:avLst/>
-              </a:prstGeom>
-              <a:solidFill>
-                <a:schemeClr val="bg1"/>
-              </a:solidFill>
-            </p:spPr>
-            <p:txBody>
-              <a:bodyPr wrap="none" rtlCol="0">
-                <a:spAutoFit/>
-              </a:bodyPr>
-              <a:lstStyle/>
-              <a:p>
-                <a:r>
-                  <a:rPr lang="en-US" sz="3032" dirty="0">
-                    <a:latin typeface="Times New Roman" panose="02020603050405020304" pitchFamily="18" charset="0"/>
-                    <a:cs typeface="Times New Roman" panose="02020603050405020304" pitchFamily="18" charset="0"/>
-                  </a:rPr>
-                  <a:t>Ligand degree ratio </a:t>
-                </a:r>
-                <a:r>
-                  <a:rPr lang="en-US" sz="3030" dirty="0">
-                    <a:latin typeface="Times New Roman" panose="02020603050405020304" pitchFamily="18" charset="0"/>
-                    <a:cs typeface="Times New Roman" panose="02020603050405020304" pitchFamily="18" charset="0"/>
-                  </a:rPr>
-                  <a:t>(</a:t>
-                </a:r>
-                <a:r>
-                  <a:rPr lang="el-GR" sz="3030" dirty="0">
-                    <a:effectLst/>
-                    <a:latin typeface="Times New Roman" panose="02020603050405020304" pitchFamily="18" charset="0"/>
-                    <a:ea typeface="Calibri" panose="020F0502020204030204" pitchFamily="34" charset="0"/>
-                    <a:cs typeface="Times New Roman" panose="02020603050405020304" pitchFamily="18" charset="0"/>
-                  </a:rPr>
-                  <a:t>ρ</a:t>
-                </a:r>
-                <a:r>
-                  <a:rPr lang="en-US" sz="3030" baseline="-25000" dirty="0">
-                    <a:effectLst/>
-                    <a:latin typeface="Times New Roman" panose="02020603050405020304" pitchFamily="18" charset="0"/>
-                    <a:ea typeface="Calibri" panose="020F0502020204030204" pitchFamily="34" charset="0"/>
-                    <a:cs typeface="Times New Roman" panose="02020603050405020304" pitchFamily="18" charset="0"/>
-                  </a:rPr>
-                  <a:t>i</a:t>
-                </a:r>
-                <a:r>
-                  <a:rPr lang="en-US" sz="3030" dirty="0">
-                    <a:latin typeface="Times New Roman" panose="02020603050405020304" pitchFamily="18" charset="0"/>
-                    <a:cs typeface="Times New Roman" panose="02020603050405020304" pitchFamily="18" charset="0"/>
-                  </a:rPr>
-                  <a:t>)</a:t>
-                </a:r>
-              </a:p>
-            </p:txBody>
-          </p:sp>
-          <p:sp>
-            <p:nvSpPr>
-              <p:cNvPr id="85" name="TextBox 84">
-                <a:extLst>
-                  <a:ext uri="{FF2B5EF4-FFF2-40B4-BE49-F238E27FC236}">
-                    <a16:creationId xmlns:a16="http://schemas.microsoft.com/office/drawing/2014/main" id="{AB53010D-FB63-4D2B-81FA-75DA20369C4F}"/>
-                  </a:ext>
-                </a:extLst>
-              </p:cNvPr>
-              <p:cNvSpPr txBox="1"/>
-              <p:nvPr/>
-            </p:nvSpPr>
-            <p:spPr>
-              <a:xfrm rot="16200000">
-                <a:off x="967119" y="5939641"/>
-                <a:ext cx="898003" cy="558936"/>
-              </a:xfrm>
-              <a:prstGeom prst="rect">
-                <a:avLst/>
-              </a:prstGeom>
-              <a:solidFill>
-                <a:schemeClr val="bg1"/>
-              </a:solidFill>
-            </p:spPr>
-            <p:txBody>
-              <a:bodyPr wrap="none" rtlCol="0">
-                <a:spAutoFit/>
-              </a:bodyPr>
-              <a:lstStyle/>
-              <a:p>
-                <a:r>
-                  <a:rPr lang="en-US" sz="3032" dirty="0">
-                    <a:latin typeface="Times New Roman" panose="02020603050405020304" pitchFamily="18" charset="0"/>
-                    <a:cs typeface="Times New Roman" panose="02020603050405020304" pitchFamily="18" charset="0"/>
-                  </a:rPr>
-                  <a:t>PDF</a:t>
-                </a:r>
-              </a:p>
-            </p:txBody>
-          </p:sp>
-        </p:grpSp>
-        <p:grpSp>
-          <p:nvGrpSpPr>
-            <p:cNvPr id="101" name="Group 100">
-              <a:extLst>
-                <a:ext uri="{FF2B5EF4-FFF2-40B4-BE49-F238E27FC236}">
-                  <a16:creationId xmlns:a16="http://schemas.microsoft.com/office/drawing/2014/main" id="{AE247002-A1A7-4454-8B71-C2A0DCE5BB96}"/>
-                </a:ext>
-              </a:extLst>
-            </p:cNvPr>
-            <p:cNvGrpSpPr/>
-            <p:nvPr/>
-          </p:nvGrpSpPr>
-          <p:grpSpPr>
-            <a:xfrm>
-              <a:off x="21784400" y="765720"/>
-              <a:ext cx="3222211" cy="800220"/>
-              <a:chOff x="21483123" y="6219785"/>
-              <a:chExt cx="3222211" cy="800220"/>
-            </a:xfrm>
-          </p:grpSpPr>
-          <p:sp>
-            <p:nvSpPr>
-              <p:cNvPr id="103" name="TextBox 102">
-                <a:extLst>
-                  <a:ext uri="{FF2B5EF4-FFF2-40B4-BE49-F238E27FC236}">
-                    <a16:creationId xmlns:a16="http://schemas.microsoft.com/office/drawing/2014/main" id="{C46A87D7-1088-476D-AD37-727EA19AD91B}"/>
-                  </a:ext>
-                </a:extLst>
-              </p:cNvPr>
-              <p:cNvSpPr txBox="1"/>
-              <p:nvPr/>
-            </p:nvSpPr>
-            <p:spPr>
-              <a:xfrm>
-                <a:off x="22115702" y="6219785"/>
-                <a:ext cx="2589632" cy="400110"/>
-              </a:xfrm>
-              <a:prstGeom prst="rect">
-                <a:avLst/>
-              </a:prstGeom>
-              <a:solidFill>
-                <a:schemeClr val="bg1"/>
-              </a:solidFill>
-            </p:spPr>
-            <p:txBody>
-              <a:bodyPr wrap="square" rtlCol="0">
-                <a:spAutoFit/>
-              </a:bodyPr>
-              <a:lstStyle/>
-              <a:p>
-                <a:r>
-                  <a:rPr lang="en-US" sz="2000" dirty="0">
-                    <a:solidFill>
-                      <a:srgbClr val="202124"/>
-                    </a:solidFill>
-                    <a:latin typeface="Times New Roman" panose="02020603050405020304" pitchFamily="18" charset="0"/>
-                    <a:cs typeface="Times New Roman" panose="02020603050405020304" pitchFamily="18" charset="0"/>
-                  </a:rPr>
-                  <a:t>BindingDB</a:t>
-                </a:r>
-              </a:p>
-            </p:txBody>
-          </p:sp>
-          <p:sp>
-            <p:nvSpPr>
-              <p:cNvPr id="104" name="Rectangle 103">
-                <a:extLst>
-                  <a:ext uri="{FF2B5EF4-FFF2-40B4-BE49-F238E27FC236}">
-                    <a16:creationId xmlns:a16="http://schemas.microsoft.com/office/drawing/2014/main" id="{F96362EE-7A90-449C-9F20-ECA9EE5A7312}"/>
-                  </a:ext>
-                </a:extLst>
-              </p:cNvPr>
-              <p:cNvSpPr/>
-              <p:nvPr/>
-            </p:nvSpPr>
-            <p:spPr>
-              <a:xfrm>
-                <a:off x="21483123" y="6296644"/>
-                <a:ext cx="440857" cy="247772"/>
-              </a:xfrm>
-              <a:prstGeom prst="rect">
-                <a:avLst/>
-              </a:prstGeom>
-              <a:solidFill>
-                <a:srgbClr val="D6E5F0"/>
-              </a:solidFill>
-            </p:spPr>
-            <p:style>
-              <a:lnRef idx="2">
-                <a:schemeClr val="accent1">
-                  <a:shade val="50000"/>
-                </a:schemeClr>
-              </a:lnRef>
-              <a:fillRef idx="1">
-                <a:schemeClr val="accent1"/>
-              </a:fillRef>
-              <a:effectRef idx="0">
-                <a:schemeClr val="accent1"/>
-              </a:effectRef>
-              <a:fontRef idx="minor">
-                <a:schemeClr val="lt1"/>
-              </a:fontRef>
-            </p:style>
-            <p:txBody>
-              <a:bodyPr rtlCol="0" anchor="ctr"/>
-              <a:lstStyle/>
-              <a:p>
-                <a:pPr algn="ctr"/>
-                <a:endParaRPr lang="en-US"/>
-              </a:p>
-            </p:txBody>
-          </p:sp>
-          <p:sp>
-            <p:nvSpPr>
-              <p:cNvPr id="105" name="Rectangle 104">
-                <a:extLst>
-                  <a:ext uri="{FF2B5EF4-FFF2-40B4-BE49-F238E27FC236}">
-                    <a16:creationId xmlns:a16="http://schemas.microsoft.com/office/drawing/2014/main" id="{04DA8607-09DD-41E7-BEF1-660B8BD5FE45}"/>
-                  </a:ext>
-                </a:extLst>
-              </p:cNvPr>
-              <p:cNvSpPr/>
-              <p:nvPr/>
-            </p:nvSpPr>
-            <p:spPr>
-              <a:xfrm>
-                <a:off x="21483123" y="6721369"/>
-                <a:ext cx="440857" cy="247772"/>
-              </a:xfrm>
-              <a:prstGeom prst="rect">
-                <a:avLst/>
-              </a:prstGeom>
-              <a:solidFill>
-                <a:srgbClr val="F9D0D0"/>
-              </a:solidFill>
-            </p:spPr>
-            <p:style>
-              <a:lnRef idx="2">
-                <a:schemeClr val="accent1">
-                  <a:shade val="50000"/>
-                </a:schemeClr>
-              </a:lnRef>
-              <a:fillRef idx="1">
-                <a:schemeClr val="accent1"/>
-              </a:fillRef>
-              <a:effectRef idx="0">
-                <a:schemeClr val="accent1"/>
-              </a:effectRef>
-              <a:fontRef idx="minor">
-                <a:schemeClr val="lt1"/>
-              </a:fontRef>
-            </p:style>
-            <p:txBody>
-              <a:bodyPr rtlCol="0" anchor="ctr"/>
-              <a:lstStyle/>
-              <a:p>
-                <a:pPr algn="ctr"/>
-                <a:endParaRPr lang="en-US"/>
-              </a:p>
-            </p:txBody>
-          </p:sp>
-          <p:sp>
-            <p:nvSpPr>
-              <p:cNvPr id="107" name="TextBox 106">
-                <a:extLst>
-                  <a:ext uri="{FF2B5EF4-FFF2-40B4-BE49-F238E27FC236}">
-                    <a16:creationId xmlns:a16="http://schemas.microsoft.com/office/drawing/2014/main" id="{0F86B6C1-40A7-4575-B652-2301FDB61D28}"/>
-                  </a:ext>
-                </a:extLst>
-              </p:cNvPr>
-              <p:cNvSpPr txBox="1"/>
-              <p:nvPr/>
-            </p:nvSpPr>
-            <p:spPr>
-              <a:xfrm>
-                <a:off x="22108850" y="6619895"/>
-                <a:ext cx="2589632" cy="400110"/>
-              </a:xfrm>
-              <a:prstGeom prst="rect">
-                <a:avLst/>
-              </a:prstGeom>
-              <a:solidFill>
-                <a:schemeClr val="bg1"/>
-              </a:solidFill>
-            </p:spPr>
-            <p:txBody>
-              <a:bodyPr wrap="square" rtlCol="0">
-                <a:spAutoFit/>
-              </a:bodyPr>
-              <a:lstStyle/>
-              <a:p>
-                <a:r>
-                  <a:rPr lang="en-US" sz="2000" dirty="0">
-                    <a:solidFill>
-                      <a:srgbClr val="202124"/>
-                    </a:solidFill>
-                    <a:latin typeface="Times New Roman" panose="02020603050405020304" pitchFamily="18" charset="0"/>
-                    <a:cs typeface="Times New Roman" panose="02020603050405020304" pitchFamily="18" charset="0"/>
-                  </a:rPr>
-                  <a:t>False Negatives</a:t>
-                </a:r>
-              </a:p>
-            </p:txBody>
-          </p:sp>
-        </p:grpSp>
-      </p:grpSp>
-      <p:sp>
-        <p:nvSpPr>
-          <p:cNvPr id="33" name="TextBox 32">
-            <a:extLst>
-              <a:ext uri="{FF2B5EF4-FFF2-40B4-BE49-F238E27FC236}">
-                <a16:creationId xmlns:a16="http://schemas.microsoft.com/office/drawing/2014/main" id="{64A4F11E-6894-4486-A3D7-0456B5CD3F0A}"/>
+                <a16:creationId xmlns:a16="http://schemas.microsoft.com/office/drawing/2014/main" id="{C308C44E-4BFA-411D-B7FD-70529DC08538}"/>
               </a:ext>
             </a:extLst>
           </p:cNvPr>
@@ -4734,13 +4229,169 @@
         </p:nvSpPr>
         <p:spPr>
           <a:xfrm>
-            <a:off x="13408307" y="26267585"/>
-            <a:ext cx="878761" cy="921471"/>
+            <a:off x="11981086" y="25356413"/>
+            <a:ext cx="3733201" cy="558936"/>
+          </a:xfrm>
+          <a:prstGeom prst="rect">
+            <a:avLst/>
+          </a:prstGeom>
+          <a:solidFill>
+            <a:schemeClr val="bg1"/>
+          </a:solidFill>
+        </p:spPr>
+        <p:txBody>
+          <a:bodyPr wrap="none" rtlCol="0">
+            <a:spAutoFit/>
+          </a:bodyPr>
+          <a:lstStyle/>
+          <a:p>
+            <a:r>
+              <a:rPr lang="en-US" sz="3032" dirty="0">
+                <a:latin typeface="Times New Roman" panose="02020603050405020304" pitchFamily="18" charset="0"/>
+                <a:cs typeface="Times New Roman" panose="02020603050405020304" pitchFamily="18" charset="0"/>
+              </a:rPr>
+              <a:t>Target degree ratio </a:t>
+            </a:r>
+            <a:r>
+              <a:rPr lang="en-US" sz="3030" dirty="0">
+                <a:latin typeface="Times New Roman" panose="02020603050405020304" pitchFamily="18" charset="0"/>
+                <a:cs typeface="Times New Roman" panose="02020603050405020304" pitchFamily="18" charset="0"/>
+              </a:rPr>
+              <a:t>(</a:t>
+            </a:r>
+            <a:r>
+              <a:rPr lang="el-GR" sz="3030" dirty="0">
+                <a:effectLst/>
+                <a:latin typeface="Times New Roman" panose="02020603050405020304" pitchFamily="18" charset="0"/>
+                <a:ea typeface="Calibri" panose="020F0502020204030204" pitchFamily="34" charset="0"/>
+                <a:cs typeface="Times New Roman" panose="02020603050405020304" pitchFamily="18" charset="0"/>
+              </a:rPr>
+              <a:t>ρ</a:t>
+            </a:r>
+            <a:r>
+              <a:rPr lang="en-US" sz="3030" dirty="0">
+                <a:latin typeface="Times New Roman" panose="02020603050405020304" pitchFamily="18" charset="0"/>
+                <a:cs typeface="Times New Roman" panose="02020603050405020304" pitchFamily="18" charset="0"/>
+              </a:rPr>
+              <a:t>)</a:t>
+            </a:r>
+            <a:endParaRPr lang="en-US" sz="3032" dirty="0">
+              <a:latin typeface="Times New Roman" panose="02020603050405020304" pitchFamily="18" charset="0"/>
+              <a:cs typeface="Times New Roman" panose="02020603050405020304" pitchFamily="18" charset="0"/>
+            </a:endParaRPr>
+          </a:p>
+        </p:txBody>
+      </p:sp>
+      <p:sp>
+        <p:nvSpPr>
+          <p:cNvPr id="48" name="TextBox 47">
+            <a:extLst>
+              <a:ext uri="{FF2B5EF4-FFF2-40B4-BE49-F238E27FC236}">
+                <a16:creationId xmlns:a16="http://schemas.microsoft.com/office/drawing/2014/main" id="{27F49753-50ED-4E3F-9FE1-1DDBB27B56D8}"/>
+              </a:ext>
+            </a:extLst>
+          </p:cNvPr>
+          <p:cNvSpPr txBox="1"/>
+          <p:nvPr/>
+        </p:nvSpPr>
+        <p:spPr>
+          <a:xfrm rot="16200000">
+            <a:off x="731089" y="19142990"/>
+            <a:ext cx="898002" cy="558936"/>
+          </a:xfrm>
+          <a:prstGeom prst="rect">
+            <a:avLst/>
+          </a:prstGeom>
+          <a:solidFill>
+            <a:schemeClr val="bg1"/>
+          </a:solidFill>
+        </p:spPr>
+        <p:txBody>
+          <a:bodyPr wrap="none" rtlCol="0">
+            <a:spAutoFit/>
+          </a:bodyPr>
+          <a:lstStyle/>
+          <a:p>
+            <a:r>
+              <a:rPr lang="en-US" sz="3032" dirty="0">
+                <a:latin typeface="Times New Roman" panose="02020603050405020304" pitchFamily="18" charset="0"/>
+                <a:cs typeface="Times New Roman" panose="02020603050405020304" pitchFamily="18" charset="0"/>
+              </a:rPr>
+              <a:t>PDF</a:t>
+            </a:r>
+          </a:p>
+        </p:txBody>
+      </p:sp>
+      <p:pic>
+        <p:nvPicPr>
+          <p:cNvPr id="1030" name="Picture 6">
+            <a:extLst>
+              <a:ext uri="{FF2B5EF4-FFF2-40B4-BE49-F238E27FC236}">
+                <a16:creationId xmlns:a16="http://schemas.microsoft.com/office/drawing/2014/main" id="{FBFC3551-4DD9-4572-86DF-625C47337174}"/>
+              </a:ext>
+            </a:extLst>
+          </p:cNvPr>
+          <p:cNvPicPr>
+            <a:picLocks noChangeAspect="1" noChangeArrowheads="1"/>
+          </p:cNvPicPr>
+          <p:nvPr/>
+        </p:nvPicPr>
+        <p:blipFill>
+          <a:blip r:embed="rId5">
+            <a:extLst>
+              <a:ext uri="{28A0092B-C50C-407E-A947-70E740481C1C}">
+                <a14:useLocalDpi xmlns:a14="http://schemas.microsoft.com/office/drawing/2010/main" val="0"/>
+              </a:ext>
+            </a:extLst>
+          </a:blip>
+          <a:srcRect/>
+          <a:stretch>
+            <a:fillRect/>
+          </a:stretch>
+        </p:blipFill>
+        <p:spPr bwMode="auto">
+          <a:xfrm>
+            <a:off x="1640382" y="26728320"/>
+            <a:ext cx="10494705" cy="7119523"/>
           </a:xfrm>
           <a:prstGeom prst="rect">
             <a:avLst/>
           </a:prstGeom>
           <a:noFill/>
+          <a:extLst>
+            <a:ext uri="{909E8E84-426E-40DD-AFC4-6F175D3DCCD1}">
+              <a14:hiddenFill xmlns:a14="http://schemas.microsoft.com/office/drawing/2010/main">
+                <a:solidFill>
+                  <a:srgbClr val="FFFFFF"/>
+                </a:solidFill>
+              </a14:hiddenFill>
+            </a:ext>
+          </a:extLst>
+        </p:spPr>
+      </p:pic>
+      <p:sp>
+        <p:nvSpPr>
+          <p:cNvPr id="50" name="TextBox 49">
+            <a:extLst>
+              <a:ext uri="{FF2B5EF4-FFF2-40B4-BE49-F238E27FC236}">
+                <a16:creationId xmlns:a16="http://schemas.microsoft.com/office/drawing/2014/main" id="{681542F3-0CA2-4318-98AC-1C14E0C2FA60}"/>
+              </a:ext>
+            </a:extLst>
+          </p:cNvPr>
+          <p:cNvSpPr txBox="1"/>
+          <p:nvPr/>
+        </p:nvSpPr>
+        <p:spPr>
+          <a:xfrm>
+            <a:off x="5875821" y="33220382"/>
+            <a:ext cx="3988503" cy="523220"/>
+          </a:xfrm>
+          <a:prstGeom prst="rect">
+            <a:avLst/>
+          </a:prstGeom>
+          <a:solidFill>
+            <a:schemeClr val="bg1"/>
+          </a:solidFill>
         </p:spPr>
         <p:txBody>
           <a:bodyPr wrap="square" rtlCol="0">
@@ -4749,12 +4400,241 @@
           <a:lstStyle/>
           <a:p>
             <a:r>
-              <a:rPr lang="en-US" sz="5388" b="1" dirty="0">
+              <a:rPr lang="en-US" sz="2800" dirty="0">
+                <a:solidFill>
+                  <a:srgbClr val="202124"/>
+                </a:solidFill>
                 <a:latin typeface="Times New Roman" panose="02020603050405020304" pitchFamily="18" charset="0"/>
                 <a:cs typeface="Times New Roman" panose="02020603050405020304" pitchFamily="18" charset="0"/>
               </a:rPr>
-              <a:t>D</a:t>
-            </a:r>
+              <a:t>Ligand degree ratio (</a:t>
+            </a:r>
+            <a:r>
+              <a:rPr lang="el-GR" sz="2800" dirty="0">
+                <a:effectLst/>
+                <a:latin typeface="Times New Roman" panose="02020603050405020304" pitchFamily="18" charset="0"/>
+                <a:ea typeface="Calibri" panose="020F0502020204030204" pitchFamily="34" charset="0"/>
+                <a:cs typeface="Times New Roman" panose="02020603050405020304" pitchFamily="18" charset="0"/>
+              </a:rPr>
+              <a:t>ρ</a:t>
+            </a:r>
+            <a:r>
+              <a:rPr lang="en-US" sz="2800" dirty="0">
+                <a:solidFill>
+                  <a:srgbClr val="202124"/>
+                </a:solidFill>
+                <a:latin typeface="Times New Roman" panose="02020603050405020304" pitchFamily="18" charset="0"/>
+                <a:cs typeface="Times New Roman" panose="02020603050405020304" pitchFamily="18" charset="0"/>
+              </a:rPr>
+              <a:t>)</a:t>
+            </a:r>
+          </a:p>
+        </p:txBody>
+      </p:sp>
+      <p:sp>
+        <p:nvSpPr>
+          <p:cNvPr id="51" name="TextBox 50">
+            <a:extLst>
+              <a:ext uri="{FF2B5EF4-FFF2-40B4-BE49-F238E27FC236}">
+                <a16:creationId xmlns:a16="http://schemas.microsoft.com/office/drawing/2014/main" id="{14FF3B28-A2D9-4389-8523-5F637194F1F3}"/>
+              </a:ext>
+            </a:extLst>
+          </p:cNvPr>
+          <p:cNvSpPr txBox="1"/>
+          <p:nvPr/>
+        </p:nvSpPr>
+        <p:spPr>
+          <a:xfrm rot="16200000">
+            <a:off x="151087" y="29615849"/>
+            <a:ext cx="3440255" cy="461665"/>
+          </a:xfrm>
+          <a:prstGeom prst="rect">
+            <a:avLst/>
+          </a:prstGeom>
+          <a:solidFill>
+            <a:schemeClr val="bg1"/>
+          </a:solidFill>
+        </p:spPr>
+        <p:txBody>
+          <a:bodyPr wrap="square" rtlCol="0">
+            <a:spAutoFit/>
+          </a:bodyPr>
+          <a:lstStyle/>
+          <a:p>
+            <a:r>
+              <a:rPr lang="en-US" sz="2400" dirty="0">
+                <a:solidFill>
+                  <a:srgbClr val="202124"/>
+                </a:solidFill>
+                <a:latin typeface="Times New Roman" panose="02020603050405020304" pitchFamily="18" charset="0"/>
+                <a:cs typeface="Times New Roman" panose="02020603050405020304" pitchFamily="18" charset="0"/>
+              </a:rPr>
+              <a:t>DeepPurpose Prediction</a:t>
+            </a:r>
+            <a:endParaRPr lang="en-US" sz="2400" dirty="0">
+              <a:latin typeface="Times New Roman" panose="02020603050405020304" pitchFamily="18" charset="0"/>
+              <a:cs typeface="Times New Roman" panose="02020603050405020304" pitchFamily="18" charset="0"/>
+            </a:endParaRPr>
+          </a:p>
+        </p:txBody>
+      </p:sp>
+      <p:pic>
+        <p:nvPicPr>
+          <p:cNvPr id="4" name="Picture 8">
+            <a:extLst>
+              <a:ext uri="{FF2B5EF4-FFF2-40B4-BE49-F238E27FC236}">
+                <a16:creationId xmlns:a16="http://schemas.microsoft.com/office/drawing/2014/main" id="{4804DB46-F4A1-41E6-8D5B-81A52FC422BB}"/>
+              </a:ext>
+            </a:extLst>
+          </p:cNvPr>
+          <p:cNvPicPr>
+            <a:picLocks noChangeAspect="1" noChangeArrowheads="1"/>
+          </p:cNvPicPr>
+          <p:nvPr/>
+        </p:nvPicPr>
+        <p:blipFill>
+          <a:blip r:embed="rId6">
+            <a:extLst>
+              <a:ext uri="{28A0092B-C50C-407E-A947-70E740481C1C}">
+                <a14:useLocalDpi xmlns:a14="http://schemas.microsoft.com/office/drawing/2010/main" val="0"/>
+              </a:ext>
+            </a:extLst>
+          </a:blip>
+          <a:srcRect/>
+          <a:stretch>
+            <a:fillRect/>
+          </a:stretch>
+        </p:blipFill>
+        <p:spPr bwMode="auto">
+          <a:xfrm>
+            <a:off x="14386689" y="26624079"/>
+            <a:ext cx="10758390" cy="7119523"/>
+          </a:xfrm>
+          <a:prstGeom prst="rect">
+            <a:avLst/>
+          </a:prstGeom>
+          <a:noFill/>
+          <a:extLst>
+            <a:ext uri="{909E8E84-426E-40DD-AFC4-6F175D3DCCD1}">
+              <a14:hiddenFill xmlns:a14="http://schemas.microsoft.com/office/drawing/2010/main">
+                <a:solidFill>
+                  <a:srgbClr val="FFFFFF"/>
+                </a:solidFill>
+              </a14:hiddenFill>
+            </a:ext>
+          </a:extLst>
+        </p:spPr>
+      </p:pic>
+      <p:sp>
+        <p:nvSpPr>
+          <p:cNvPr id="53" name="TextBox 52">
+            <a:extLst>
+              <a:ext uri="{FF2B5EF4-FFF2-40B4-BE49-F238E27FC236}">
+                <a16:creationId xmlns:a16="http://schemas.microsoft.com/office/drawing/2014/main" id="{2E5B2D00-D8B1-4998-8E2A-7E069DAD2FBB}"/>
+              </a:ext>
+            </a:extLst>
+          </p:cNvPr>
+          <p:cNvSpPr txBox="1"/>
+          <p:nvPr/>
+        </p:nvSpPr>
+        <p:spPr>
+          <a:xfrm rot="16200000">
+            <a:off x="12897394" y="29567339"/>
+            <a:ext cx="3440255" cy="461665"/>
+          </a:xfrm>
+          <a:prstGeom prst="rect">
+            <a:avLst/>
+          </a:prstGeom>
+          <a:solidFill>
+            <a:schemeClr val="bg1"/>
+          </a:solidFill>
+        </p:spPr>
+        <p:txBody>
+          <a:bodyPr wrap="square" rtlCol="0">
+            <a:spAutoFit/>
+          </a:bodyPr>
+          <a:lstStyle/>
+          <a:p>
+            <a:r>
+              <a:rPr lang="en-US" sz="2400" dirty="0">
+                <a:solidFill>
+                  <a:srgbClr val="202124"/>
+                </a:solidFill>
+                <a:latin typeface="Times New Roman" panose="02020603050405020304" pitchFamily="18" charset="0"/>
+                <a:cs typeface="Times New Roman" panose="02020603050405020304" pitchFamily="18" charset="0"/>
+              </a:rPr>
+              <a:t>DeepPurpose Prediction</a:t>
+            </a:r>
+            <a:endParaRPr lang="en-US" sz="2400" dirty="0">
+              <a:latin typeface="Times New Roman" panose="02020603050405020304" pitchFamily="18" charset="0"/>
+              <a:cs typeface="Times New Roman" panose="02020603050405020304" pitchFamily="18" charset="0"/>
+            </a:endParaRPr>
+          </a:p>
+        </p:txBody>
+      </p:sp>
+      <p:sp>
+        <p:nvSpPr>
+          <p:cNvPr id="54" name="TextBox 53">
+            <a:extLst>
+              <a:ext uri="{FF2B5EF4-FFF2-40B4-BE49-F238E27FC236}">
+                <a16:creationId xmlns:a16="http://schemas.microsoft.com/office/drawing/2014/main" id="{F826E5F1-E8A2-486E-984B-5B7FB7CC3691}"/>
+              </a:ext>
+            </a:extLst>
+          </p:cNvPr>
+          <p:cNvSpPr txBox="1"/>
+          <p:nvPr/>
+        </p:nvSpPr>
+        <p:spPr>
+          <a:xfrm>
+            <a:off x="18757260" y="33201274"/>
+            <a:ext cx="3988503" cy="523220"/>
+          </a:xfrm>
+          <a:prstGeom prst="rect">
+            <a:avLst/>
+          </a:prstGeom>
+          <a:solidFill>
+            <a:schemeClr val="bg1"/>
+          </a:solidFill>
+        </p:spPr>
+        <p:txBody>
+          <a:bodyPr wrap="square" rtlCol="0">
+            <a:spAutoFit/>
+          </a:bodyPr>
+          <a:lstStyle/>
+          <a:p>
+            <a:r>
+              <a:rPr lang="en-US" sz="2800" dirty="0">
+                <a:solidFill>
+                  <a:srgbClr val="202124"/>
+                </a:solidFill>
+                <a:latin typeface="Times New Roman" panose="02020603050405020304" pitchFamily="18" charset="0"/>
+                <a:cs typeface="Times New Roman" panose="02020603050405020304" pitchFamily="18" charset="0"/>
+              </a:rPr>
+              <a:t>Protein degree ratio (</a:t>
+            </a:r>
+            <a:r>
+              <a:rPr lang="el-GR" sz="2800" dirty="0">
+                <a:effectLst/>
+                <a:latin typeface="Times New Roman" panose="02020603050405020304" pitchFamily="18" charset="0"/>
+                <a:ea typeface="Calibri" panose="020F0502020204030204" pitchFamily="34" charset="0"/>
+                <a:cs typeface="Times New Roman" panose="02020603050405020304" pitchFamily="18" charset="0"/>
+              </a:rPr>
+              <a:t>ρ</a:t>
+            </a:r>
+            <a:r>
+              <a:rPr lang="en-US" sz="2800" dirty="0">
+                <a:solidFill>
+                  <a:srgbClr val="202124"/>
+                </a:solidFill>
+                <a:latin typeface="Times New Roman" panose="02020603050405020304" pitchFamily="18" charset="0"/>
+                <a:cs typeface="Times New Roman" panose="02020603050405020304" pitchFamily="18" charset="0"/>
+              </a:rPr>
+              <a:t>)</a:t>
+            </a:r>
+            <a:endParaRPr lang="en-US" sz="2800" dirty="0">
+              <a:latin typeface="Times New Roman" panose="02020603050405020304" pitchFamily="18" charset="0"/>
+              <a:cs typeface="Times New Roman" panose="02020603050405020304" pitchFamily="18" charset="0"/>
+            </a:endParaRPr>
           </a:p>
         </p:txBody>
       </p:sp>

--- a/Images/SI5.pptx
+++ b/Images/SI5.pptx
@@ -197,7 +197,7 @@
           <a:p>
             <a:fld id="{D34CEA9E-E5A5-49C8-A578-AF124664FEC0}" type="datetimeFigureOut">
               <a:rPr lang="en-US" smtClean="0"/>
-              <a:t>10/4/2021</a:t>
+              <a:t>10/25/2021</a:t>
             </a:fld>
             <a:endParaRPr lang="en-US"/>
           </a:p>
@@ -690,7 +690,7 @@
           <a:p>
             <a:fld id="{BA05AF01-4F0E-4718-A4C1-DFCBB47EE5F2}" type="datetimeFigureOut">
               <a:rPr lang="en-US" smtClean="0"/>
-              <a:t>10/4/2021</a:t>
+              <a:t>10/25/2021</a:t>
             </a:fld>
             <a:endParaRPr lang="en-US"/>
           </a:p>
@@ -860,7 +860,7 @@
           <a:p>
             <a:fld id="{BA05AF01-4F0E-4718-A4C1-DFCBB47EE5F2}" type="datetimeFigureOut">
               <a:rPr lang="en-US" smtClean="0"/>
-              <a:t>10/4/2021</a:t>
+              <a:t>10/25/2021</a:t>
             </a:fld>
             <a:endParaRPr lang="en-US"/>
           </a:p>
@@ -1040,7 +1040,7 @@
           <a:p>
             <a:fld id="{BA05AF01-4F0E-4718-A4C1-DFCBB47EE5F2}" type="datetimeFigureOut">
               <a:rPr lang="en-US" smtClean="0"/>
-              <a:t>10/4/2021</a:t>
+              <a:t>10/25/2021</a:t>
             </a:fld>
             <a:endParaRPr lang="en-US"/>
           </a:p>
@@ -1210,7 +1210,7 @@
           <a:p>
             <a:fld id="{BA05AF01-4F0E-4718-A4C1-DFCBB47EE5F2}" type="datetimeFigureOut">
               <a:rPr lang="en-US" smtClean="0"/>
-              <a:t>10/4/2021</a:t>
+              <a:t>10/25/2021</a:t>
             </a:fld>
             <a:endParaRPr lang="en-US"/>
           </a:p>
@@ -1454,7 +1454,7 @@
           <a:p>
             <a:fld id="{BA05AF01-4F0E-4718-A4C1-DFCBB47EE5F2}" type="datetimeFigureOut">
               <a:rPr lang="en-US" smtClean="0"/>
-              <a:t>10/4/2021</a:t>
+              <a:t>10/25/2021</a:t>
             </a:fld>
             <a:endParaRPr lang="en-US"/>
           </a:p>
@@ -1686,7 +1686,7 @@
           <a:p>
             <a:fld id="{BA05AF01-4F0E-4718-A4C1-DFCBB47EE5F2}" type="datetimeFigureOut">
               <a:rPr lang="en-US" smtClean="0"/>
-              <a:t>10/4/2021</a:t>
+              <a:t>10/25/2021</a:t>
             </a:fld>
             <a:endParaRPr lang="en-US"/>
           </a:p>
@@ -2053,7 +2053,7 @@
           <a:p>
             <a:fld id="{BA05AF01-4F0E-4718-A4C1-DFCBB47EE5F2}" type="datetimeFigureOut">
               <a:rPr lang="en-US" smtClean="0"/>
-              <a:t>10/4/2021</a:t>
+              <a:t>10/25/2021</a:t>
             </a:fld>
             <a:endParaRPr lang="en-US"/>
           </a:p>
@@ -2171,7 +2171,7 @@
           <a:p>
             <a:fld id="{BA05AF01-4F0E-4718-A4C1-DFCBB47EE5F2}" type="datetimeFigureOut">
               <a:rPr lang="en-US" smtClean="0"/>
-              <a:t>10/4/2021</a:t>
+              <a:t>10/25/2021</a:t>
             </a:fld>
             <a:endParaRPr lang="en-US"/>
           </a:p>
@@ -2266,7 +2266,7 @@
           <a:p>
             <a:fld id="{BA05AF01-4F0E-4718-A4C1-DFCBB47EE5F2}" type="datetimeFigureOut">
               <a:rPr lang="en-US" smtClean="0"/>
-              <a:t>10/4/2021</a:t>
+              <a:t>10/25/2021</a:t>
             </a:fld>
             <a:endParaRPr lang="en-US"/>
           </a:p>
@@ -2543,7 +2543,7 @@
           <a:p>
             <a:fld id="{BA05AF01-4F0E-4718-A4C1-DFCBB47EE5F2}" type="datetimeFigureOut">
               <a:rPr lang="en-US" smtClean="0"/>
-              <a:t>10/4/2021</a:t>
+              <a:t>10/25/2021</a:t>
             </a:fld>
             <a:endParaRPr lang="en-US"/>
           </a:p>
@@ -2800,7 +2800,7 @@
           <a:p>
             <a:fld id="{BA05AF01-4F0E-4718-A4C1-DFCBB47EE5F2}" type="datetimeFigureOut">
               <a:rPr lang="en-US" smtClean="0"/>
-              <a:t>10/4/2021</a:t>
+              <a:t>10/25/2021</a:t>
             </a:fld>
             <a:endParaRPr lang="en-US"/>
           </a:p>
@@ -3013,7 +3013,7 @@
           <a:p>
             <a:fld id="{BA05AF01-4F0E-4718-A4C1-DFCBB47EE5F2}" type="datetimeFigureOut">
               <a:rPr lang="en-US" smtClean="0"/>
-              <a:t>10/4/2021</a:t>
+              <a:t>10/25/2021</a:t>
             </a:fld>
             <a:endParaRPr lang="en-US"/>
           </a:p>
@@ -3610,10 +3610,10 @@
       </p:sp>
       <p:pic>
         <p:nvPicPr>
-          <p:cNvPr id="2" name="Picture 2">
+          <p:cNvPr id="1030" name="Picture 6">
             <a:extLst>
               <a:ext uri="{FF2B5EF4-FFF2-40B4-BE49-F238E27FC236}">
-                <a16:creationId xmlns:a16="http://schemas.microsoft.com/office/drawing/2014/main" id="{BE40995C-65DF-4B84-8A60-4DF0BF6E2139}"/>
+                <a16:creationId xmlns:a16="http://schemas.microsoft.com/office/drawing/2014/main" id="{FBFC3551-4DD9-4572-86DF-625C47337174}"/>
               </a:ext>
             </a:extLst>
           </p:cNvPr>
@@ -3637,8 +3637,8 @@
         </p:blipFill>
         <p:spPr bwMode="auto">
           <a:xfrm>
-            <a:off x="1263405" y="1038938"/>
-            <a:ext cx="23802380" cy="12057422"/>
+            <a:off x="1640382" y="26728320"/>
+            <a:ext cx="10494705" cy="7119523"/>
           </a:xfrm>
           <a:prstGeom prst="rect">
             <a:avLst/>
@@ -3657,10 +3657,10 @@
       </p:pic>
       <p:sp>
         <p:nvSpPr>
-          <p:cNvPr id="34" name="TextBox 33">
+          <p:cNvPr id="50" name="TextBox 49">
             <a:extLst>
               <a:ext uri="{FF2B5EF4-FFF2-40B4-BE49-F238E27FC236}">
-                <a16:creationId xmlns:a16="http://schemas.microsoft.com/office/drawing/2014/main" id="{31552B9D-DB74-4406-9F64-A11CF69E47DF}"/>
+                <a16:creationId xmlns:a16="http://schemas.microsoft.com/office/drawing/2014/main" id="{681542F3-0CA2-4318-98AC-1C14E0C2FA60}"/>
               </a:ext>
             </a:extLst>
           </p:cNvPr>
@@ -3669,7 +3669,323 @@
         </p:nvSpPr>
         <p:spPr>
           <a:xfrm>
-            <a:off x="11666836" y="12486961"/>
+            <a:off x="5875821" y="33220382"/>
+            <a:ext cx="3988503" cy="523220"/>
+          </a:xfrm>
+          <a:prstGeom prst="rect">
+            <a:avLst/>
+          </a:prstGeom>
+          <a:solidFill>
+            <a:schemeClr val="bg1"/>
+          </a:solidFill>
+        </p:spPr>
+        <p:txBody>
+          <a:bodyPr wrap="square" rtlCol="0">
+            <a:spAutoFit/>
+          </a:bodyPr>
+          <a:lstStyle/>
+          <a:p>
+            <a:r>
+              <a:rPr lang="en-US" sz="2800" dirty="0">
+                <a:solidFill>
+                  <a:srgbClr val="202124"/>
+                </a:solidFill>
+                <a:latin typeface="Times New Roman" panose="02020603050405020304" pitchFamily="18" charset="0"/>
+                <a:cs typeface="Times New Roman" panose="02020603050405020304" pitchFamily="18" charset="0"/>
+              </a:rPr>
+              <a:t>Ligand degree ratio (</a:t>
+            </a:r>
+            <a:r>
+              <a:rPr lang="el-GR" sz="2800" dirty="0">
+                <a:effectLst/>
+                <a:latin typeface="Times New Roman" panose="02020603050405020304" pitchFamily="18" charset="0"/>
+                <a:ea typeface="Calibri" panose="020F0502020204030204" pitchFamily="34" charset="0"/>
+                <a:cs typeface="Times New Roman" panose="02020603050405020304" pitchFamily="18" charset="0"/>
+              </a:rPr>
+              <a:t>ρ</a:t>
+            </a:r>
+            <a:r>
+              <a:rPr lang="en-US" sz="2800" dirty="0">
+                <a:solidFill>
+                  <a:srgbClr val="202124"/>
+                </a:solidFill>
+                <a:latin typeface="Times New Roman" panose="02020603050405020304" pitchFamily="18" charset="0"/>
+                <a:cs typeface="Times New Roman" panose="02020603050405020304" pitchFamily="18" charset="0"/>
+              </a:rPr>
+              <a:t>)</a:t>
+            </a:r>
+          </a:p>
+        </p:txBody>
+      </p:sp>
+      <p:sp>
+        <p:nvSpPr>
+          <p:cNvPr id="51" name="TextBox 50">
+            <a:extLst>
+              <a:ext uri="{FF2B5EF4-FFF2-40B4-BE49-F238E27FC236}">
+                <a16:creationId xmlns:a16="http://schemas.microsoft.com/office/drawing/2014/main" id="{14FF3B28-A2D9-4389-8523-5F637194F1F3}"/>
+              </a:ext>
+            </a:extLst>
+          </p:cNvPr>
+          <p:cNvSpPr txBox="1"/>
+          <p:nvPr/>
+        </p:nvSpPr>
+        <p:spPr>
+          <a:xfrm rot="16200000">
+            <a:off x="151087" y="29615849"/>
+            <a:ext cx="3440255" cy="461665"/>
+          </a:xfrm>
+          <a:prstGeom prst="rect">
+            <a:avLst/>
+          </a:prstGeom>
+          <a:solidFill>
+            <a:schemeClr val="bg1"/>
+          </a:solidFill>
+        </p:spPr>
+        <p:txBody>
+          <a:bodyPr wrap="square" rtlCol="0">
+            <a:spAutoFit/>
+          </a:bodyPr>
+          <a:lstStyle/>
+          <a:p>
+            <a:r>
+              <a:rPr lang="en-US" sz="2400" dirty="0">
+                <a:solidFill>
+                  <a:srgbClr val="202124"/>
+                </a:solidFill>
+                <a:latin typeface="Times New Roman" panose="02020603050405020304" pitchFamily="18" charset="0"/>
+                <a:cs typeface="Times New Roman" panose="02020603050405020304" pitchFamily="18" charset="0"/>
+              </a:rPr>
+              <a:t>DeepPurpose Prediction</a:t>
+            </a:r>
+            <a:endParaRPr lang="en-US" sz="2400" dirty="0">
+              <a:latin typeface="Times New Roman" panose="02020603050405020304" pitchFamily="18" charset="0"/>
+              <a:cs typeface="Times New Roman" panose="02020603050405020304" pitchFamily="18" charset="0"/>
+            </a:endParaRPr>
+          </a:p>
+        </p:txBody>
+      </p:sp>
+      <p:pic>
+        <p:nvPicPr>
+          <p:cNvPr id="4" name="Picture 8">
+            <a:extLst>
+              <a:ext uri="{FF2B5EF4-FFF2-40B4-BE49-F238E27FC236}">
+                <a16:creationId xmlns:a16="http://schemas.microsoft.com/office/drawing/2014/main" id="{4804DB46-F4A1-41E6-8D5B-81A52FC422BB}"/>
+              </a:ext>
+            </a:extLst>
+          </p:cNvPr>
+          <p:cNvPicPr>
+            <a:picLocks noChangeAspect="1" noChangeArrowheads="1"/>
+          </p:cNvPicPr>
+          <p:nvPr/>
+        </p:nvPicPr>
+        <p:blipFill>
+          <a:blip r:embed="rId4">
+            <a:extLst>
+              <a:ext uri="{28A0092B-C50C-407E-A947-70E740481C1C}">
+                <a14:useLocalDpi xmlns:a14="http://schemas.microsoft.com/office/drawing/2010/main" val="0"/>
+              </a:ext>
+            </a:extLst>
+          </a:blip>
+          <a:srcRect/>
+          <a:stretch>
+            <a:fillRect/>
+          </a:stretch>
+        </p:blipFill>
+        <p:spPr bwMode="auto">
+          <a:xfrm>
+            <a:off x="14386689" y="26624079"/>
+            <a:ext cx="10758390" cy="7119523"/>
+          </a:xfrm>
+          <a:prstGeom prst="rect">
+            <a:avLst/>
+          </a:prstGeom>
+          <a:noFill/>
+          <a:extLst>
+            <a:ext uri="{909E8E84-426E-40DD-AFC4-6F175D3DCCD1}">
+              <a14:hiddenFill xmlns:a14="http://schemas.microsoft.com/office/drawing/2010/main">
+                <a:solidFill>
+                  <a:srgbClr val="FFFFFF"/>
+                </a:solidFill>
+              </a14:hiddenFill>
+            </a:ext>
+          </a:extLst>
+        </p:spPr>
+      </p:pic>
+      <p:sp>
+        <p:nvSpPr>
+          <p:cNvPr id="53" name="TextBox 52">
+            <a:extLst>
+              <a:ext uri="{FF2B5EF4-FFF2-40B4-BE49-F238E27FC236}">
+                <a16:creationId xmlns:a16="http://schemas.microsoft.com/office/drawing/2014/main" id="{2E5B2D00-D8B1-4998-8E2A-7E069DAD2FBB}"/>
+              </a:ext>
+            </a:extLst>
+          </p:cNvPr>
+          <p:cNvSpPr txBox="1"/>
+          <p:nvPr/>
+        </p:nvSpPr>
+        <p:spPr>
+          <a:xfrm rot="16200000">
+            <a:off x="12897394" y="29567339"/>
+            <a:ext cx="3440255" cy="461665"/>
+          </a:xfrm>
+          <a:prstGeom prst="rect">
+            <a:avLst/>
+          </a:prstGeom>
+          <a:solidFill>
+            <a:schemeClr val="bg1"/>
+          </a:solidFill>
+        </p:spPr>
+        <p:txBody>
+          <a:bodyPr wrap="square" rtlCol="0">
+            <a:spAutoFit/>
+          </a:bodyPr>
+          <a:lstStyle/>
+          <a:p>
+            <a:r>
+              <a:rPr lang="en-US" sz="2400" dirty="0">
+                <a:solidFill>
+                  <a:srgbClr val="202124"/>
+                </a:solidFill>
+                <a:latin typeface="Times New Roman" panose="02020603050405020304" pitchFamily="18" charset="0"/>
+                <a:cs typeface="Times New Roman" panose="02020603050405020304" pitchFamily="18" charset="0"/>
+              </a:rPr>
+              <a:t>DeepPurpose Prediction</a:t>
+            </a:r>
+            <a:endParaRPr lang="en-US" sz="2400" dirty="0">
+              <a:latin typeface="Times New Roman" panose="02020603050405020304" pitchFamily="18" charset="0"/>
+              <a:cs typeface="Times New Roman" panose="02020603050405020304" pitchFamily="18" charset="0"/>
+            </a:endParaRPr>
+          </a:p>
+        </p:txBody>
+      </p:sp>
+      <p:sp>
+        <p:nvSpPr>
+          <p:cNvPr id="54" name="TextBox 53">
+            <a:extLst>
+              <a:ext uri="{FF2B5EF4-FFF2-40B4-BE49-F238E27FC236}">
+                <a16:creationId xmlns:a16="http://schemas.microsoft.com/office/drawing/2014/main" id="{F826E5F1-E8A2-486E-984B-5B7FB7CC3691}"/>
+              </a:ext>
+            </a:extLst>
+          </p:cNvPr>
+          <p:cNvSpPr txBox="1"/>
+          <p:nvPr/>
+        </p:nvSpPr>
+        <p:spPr>
+          <a:xfrm>
+            <a:off x="18757260" y="33201274"/>
+            <a:ext cx="3988503" cy="523220"/>
+          </a:xfrm>
+          <a:prstGeom prst="rect">
+            <a:avLst/>
+          </a:prstGeom>
+          <a:solidFill>
+            <a:schemeClr val="bg1"/>
+          </a:solidFill>
+        </p:spPr>
+        <p:txBody>
+          <a:bodyPr wrap="square" rtlCol="0">
+            <a:spAutoFit/>
+          </a:bodyPr>
+          <a:lstStyle/>
+          <a:p>
+            <a:r>
+              <a:rPr lang="en-US" sz="2800" dirty="0">
+                <a:solidFill>
+                  <a:srgbClr val="202124"/>
+                </a:solidFill>
+                <a:latin typeface="Times New Roman" panose="02020603050405020304" pitchFamily="18" charset="0"/>
+                <a:cs typeface="Times New Roman" panose="02020603050405020304" pitchFamily="18" charset="0"/>
+              </a:rPr>
+              <a:t>Protein degree ratio (</a:t>
+            </a:r>
+            <a:r>
+              <a:rPr lang="el-GR" sz="2800" dirty="0">
+                <a:effectLst/>
+                <a:latin typeface="Times New Roman" panose="02020603050405020304" pitchFamily="18" charset="0"/>
+                <a:ea typeface="Calibri" panose="020F0502020204030204" pitchFamily="34" charset="0"/>
+                <a:cs typeface="Times New Roman" panose="02020603050405020304" pitchFamily="18" charset="0"/>
+              </a:rPr>
+              <a:t>ρ</a:t>
+            </a:r>
+            <a:r>
+              <a:rPr lang="en-US" sz="2800" dirty="0">
+                <a:solidFill>
+                  <a:srgbClr val="202124"/>
+                </a:solidFill>
+                <a:latin typeface="Times New Roman" panose="02020603050405020304" pitchFamily="18" charset="0"/>
+                <a:cs typeface="Times New Roman" panose="02020603050405020304" pitchFamily="18" charset="0"/>
+              </a:rPr>
+              <a:t>)</a:t>
+            </a:r>
+            <a:endParaRPr lang="en-US" sz="2800" dirty="0">
+              <a:latin typeface="Times New Roman" panose="02020603050405020304" pitchFamily="18" charset="0"/>
+              <a:cs typeface="Times New Roman" panose="02020603050405020304" pitchFamily="18" charset="0"/>
+            </a:endParaRPr>
+          </a:p>
+        </p:txBody>
+      </p:sp>
+      <p:pic>
+        <p:nvPicPr>
+          <p:cNvPr id="1028" name="Picture 4">
+            <a:extLst>
+              <a:ext uri="{FF2B5EF4-FFF2-40B4-BE49-F238E27FC236}">
+                <a16:creationId xmlns:a16="http://schemas.microsoft.com/office/drawing/2014/main" id="{CEBCD01A-7D71-49C4-A318-B4E758DB6118}"/>
+              </a:ext>
+            </a:extLst>
+          </p:cNvPr>
+          <p:cNvPicPr>
+            <a:picLocks noChangeAspect="1" noChangeArrowheads="1"/>
+          </p:cNvPicPr>
+          <p:nvPr/>
+        </p:nvPicPr>
+        <p:blipFill>
+          <a:blip r:embed="rId5">
+            <a:extLst>
+              <a:ext uri="{28A0092B-C50C-407E-A947-70E740481C1C}">
+                <a14:useLocalDpi xmlns:a14="http://schemas.microsoft.com/office/drawing/2010/main" val="0"/>
+              </a:ext>
+            </a:extLst>
+          </a:blip>
+          <a:srcRect/>
+          <a:stretch>
+            <a:fillRect/>
+          </a:stretch>
+        </p:blipFill>
+        <p:spPr bwMode="auto">
+          <a:xfrm>
+            <a:off x="1064431" y="871404"/>
+            <a:ext cx="23785509" cy="12130311"/>
+          </a:xfrm>
+          <a:prstGeom prst="rect">
+            <a:avLst/>
+          </a:prstGeom>
+          <a:noFill/>
+          <a:extLst>
+            <a:ext uri="{909E8E84-426E-40DD-AFC4-6F175D3DCCD1}">
+              <a14:hiddenFill xmlns:a14="http://schemas.microsoft.com/office/drawing/2010/main">
+                <a:solidFill>
+                  <a:srgbClr val="FFFFFF"/>
+                </a:solidFill>
+              </a14:hiddenFill>
+            </a:ext>
+          </a:extLst>
+        </p:spPr>
+      </p:pic>
+      <p:sp>
+        <p:nvSpPr>
+          <p:cNvPr id="31" name="TextBox 30">
+            <a:extLst>
+              <a:ext uri="{FF2B5EF4-FFF2-40B4-BE49-F238E27FC236}">
+                <a16:creationId xmlns:a16="http://schemas.microsoft.com/office/drawing/2014/main" id="{229FEFA7-D37A-4D45-B5D0-90EF6D628697}"/>
+              </a:ext>
+            </a:extLst>
+          </p:cNvPr>
+          <p:cNvSpPr txBox="1"/>
+          <p:nvPr/>
+        </p:nvSpPr>
+        <p:spPr>
+          <a:xfrm>
+            <a:off x="11482138" y="12644084"/>
             <a:ext cx="3852337" cy="558936"/>
           </a:xfrm>
           <a:prstGeom prst="rect">
@@ -3720,10 +4036,10 @@
       </p:sp>
       <p:sp>
         <p:nvSpPr>
-          <p:cNvPr id="35" name="TextBox 34">
+          <p:cNvPr id="32" name="TextBox 31">
             <a:extLst>
               <a:ext uri="{FF2B5EF4-FFF2-40B4-BE49-F238E27FC236}">
-                <a16:creationId xmlns:a16="http://schemas.microsoft.com/office/drawing/2014/main" id="{4DC4E4F6-BBB2-4E09-A161-86A9650DA20F}"/>
+                <a16:creationId xmlns:a16="http://schemas.microsoft.com/office/drawing/2014/main" id="{6C5450E7-7931-4C5E-BF9E-CCE2A40757F8}"/>
               </a:ext>
             </a:extLst>
           </p:cNvPr>
@@ -3732,7 +4048,7 @@
         </p:nvSpPr>
         <p:spPr>
           <a:xfrm rot="16200000">
-            <a:off x="847918" y="6449273"/>
+            <a:off x="690718" y="6454071"/>
             <a:ext cx="897597" cy="557243"/>
           </a:xfrm>
           <a:prstGeom prst="rect">
@@ -3760,10 +4076,10 @@
       </p:sp>
       <p:grpSp>
         <p:nvGrpSpPr>
-          <p:cNvPr id="36" name="Group 35">
+          <p:cNvPr id="41" name="Group 40">
             <a:extLst>
               <a:ext uri="{FF2B5EF4-FFF2-40B4-BE49-F238E27FC236}">
-                <a16:creationId xmlns:a16="http://schemas.microsoft.com/office/drawing/2014/main" id="{5D85CFDF-C78B-4734-B28B-0B5348EC0E6A}"/>
+                <a16:creationId xmlns:a16="http://schemas.microsoft.com/office/drawing/2014/main" id="{3CD43BF2-8C95-4B16-924A-7E543AD5126D}"/>
               </a:ext>
             </a:extLst>
           </p:cNvPr>
@@ -3772,7 +4088,7 @@
         </p:nvGrpSpPr>
         <p:grpSpPr>
           <a:xfrm>
-            <a:off x="21511467" y="1257028"/>
+            <a:off x="20751511" y="1257028"/>
             <a:ext cx="3222211" cy="861775"/>
             <a:chOff x="21483123" y="6219785"/>
             <a:chExt cx="3222211" cy="861775"/>
@@ -3780,10 +4096,10 @@
         </p:grpSpPr>
         <p:sp>
           <p:nvSpPr>
-            <p:cNvPr id="37" name="TextBox 36">
+            <p:cNvPr id="52" name="TextBox 51">
               <a:extLst>
                 <a:ext uri="{FF2B5EF4-FFF2-40B4-BE49-F238E27FC236}">
-                  <a16:creationId xmlns:a16="http://schemas.microsoft.com/office/drawing/2014/main" id="{53AA56DD-D8B9-4022-8271-D19553386B1B}"/>
+                  <a16:creationId xmlns:a16="http://schemas.microsoft.com/office/drawing/2014/main" id="{09D2B421-5AF2-4644-83E8-3550E4176471}"/>
                 </a:ext>
               </a:extLst>
             </p:cNvPr>
@@ -3823,10 +4139,10 @@
         </p:sp>
         <p:sp>
           <p:nvSpPr>
-            <p:cNvPr id="38" name="Rectangle 37">
+            <p:cNvPr id="55" name="Rectangle 54">
               <a:extLst>
                 <a:ext uri="{FF2B5EF4-FFF2-40B4-BE49-F238E27FC236}">
-                  <a16:creationId xmlns:a16="http://schemas.microsoft.com/office/drawing/2014/main" id="{7F8D1330-3D69-47A6-BFC6-A96A09ECC6B2}"/>
+                  <a16:creationId xmlns:a16="http://schemas.microsoft.com/office/drawing/2014/main" id="{5DD0A95F-5D1B-4764-B54F-A74C98599BE1}"/>
                 </a:ext>
               </a:extLst>
             </p:cNvPr>
@@ -3872,10 +4188,10 @@
         </p:sp>
         <p:sp>
           <p:nvSpPr>
-            <p:cNvPr id="39" name="Rectangle 38">
+            <p:cNvPr id="56" name="Rectangle 55">
               <a:extLst>
                 <a:ext uri="{FF2B5EF4-FFF2-40B4-BE49-F238E27FC236}">
-                  <a16:creationId xmlns:a16="http://schemas.microsoft.com/office/drawing/2014/main" id="{4B5A240D-1E5A-4A27-AA89-DDC3DAC530FF}"/>
+                  <a16:creationId xmlns:a16="http://schemas.microsoft.com/office/drawing/2014/main" id="{BBA39808-CF87-45BC-BC0F-6F0A68FACF1F}"/>
                 </a:ext>
               </a:extLst>
             </p:cNvPr>
@@ -3921,10 +4237,10 @@
         </p:sp>
         <p:sp>
           <p:nvSpPr>
-            <p:cNvPr id="40" name="TextBox 39">
+            <p:cNvPr id="57" name="TextBox 56">
               <a:extLst>
                 <a:ext uri="{FF2B5EF4-FFF2-40B4-BE49-F238E27FC236}">
-                  <a16:creationId xmlns:a16="http://schemas.microsoft.com/office/drawing/2014/main" id="{BE76AE11-ADBB-4C7E-9E90-292C44E3907C}"/>
+                  <a16:creationId xmlns:a16="http://schemas.microsoft.com/office/drawing/2014/main" id="{C74F97E0-E7B2-4198-B2FF-13CC2EB97343}"/>
                 </a:ext>
               </a:extLst>
             </p:cNvPr>
@@ -3965,10 +4281,10 @@
       </p:grpSp>
       <p:pic>
         <p:nvPicPr>
-          <p:cNvPr id="3" name="Picture 4">
+          <p:cNvPr id="1032" name="Picture 8">
             <a:extLst>
               <a:ext uri="{FF2B5EF4-FFF2-40B4-BE49-F238E27FC236}">
-                <a16:creationId xmlns:a16="http://schemas.microsoft.com/office/drawing/2014/main" id="{48A7CFDE-A282-43BE-9045-112C97157A9D}"/>
+                <a16:creationId xmlns:a16="http://schemas.microsoft.com/office/drawing/2014/main" id="{931F723A-1CE0-4DA6-AA1A-4EC136B617F7}"/>
               </a:ext>
             </a:extLst>
           </p:cNvPr>
@@ -3978,7 +4294,7 @@
           <p:nvPr/>
         </p:nvPicPr>
         <p:blipFill>
-          <a:blip r:embed="rId4">
+          <a:blip r:embed="rId6">
             <a:extLst>
               <a:ext uri="{28A0092B-C50C-407E-A947-70E740481C1C}">
                 <a14:useLocalDpi xmlns:a14="http://schemas.microsoft.com/office/drawing/2010/main" val="0"/>
@@ -3992,8 +4308,8 @@
         </p:blipFill>
         <p:spPr bwMode="auto">
           <a:xfrm>
-            <a:off x="1116669" y="13596564"/>
-            <a:ext cx="23946269" cy="12130311"/>
+            <a:off x="966627" y="13233486"/>
+            <a:ext cx="23883313" cy="13014992"/>
           </a:xfrm>
           <a:prstGeom prst="rect">
             <a:avLst/>
@@ -4012,10 +4328,10 @@
       </p:pic>
       <p:grpSp>
         <p:nvGrpSpPr>
-          <p:cNvPr id="42" name="Group 41">
+          <p:cNvPr id="65" name="Group 64">
             <a:extLst>
               <a:ext uri="{FF2B5EF4-FFF2-40B4-BE49-F238E27FC236}">
-                <a16:creationId xmlns:a16="http://schemas.microsoft.com/office/drawing/2014/main" id="{A0E5F22A-C1C9-4C32-8AAD-8591F375822F}"/>
+                <a16:creationId xmlns:a16="http://schemas.microsoft.com/office/drawing/2014/main" id="{9D79E0D5-1E95-4EF1-98FC-BF7534349B71}"/>
               </a:ext>
             </a:extLst>
           </p:cNvPr>
@@ -4024,7 +4340,7 @@
         </p:nvGrpSpPr>
         <p:grpSpPr>
           <a:xfrm>
-            <a:off x="21504615" y="13855035"/>
+            <a:off x="21192368" y="13786975"/>
             <a:ext cx="3222211" cy="861775"/>
             <a:chOff x="21483123" y="6219785"/>
             <a:chExt cx="3222211" cy="861775"/>
@@ -4032,10 +4348,10 @@
         </p:grpSpPr>
         <p:sp>
           <p:nvSpPr>
-            <p:cNvPr id="43" name="TextBox 42">
+            <p:cNvPr id="66" name="TextBox 65">
               <a:extLst>
                 <a:ext uri="{FF2B5EF4-FFF2-40B4-BE49-F238E27FC236}">
-                  <a16:creationId xmlns:a16="http://schemas.microsoft.com/office/drawing/2014/main" id="{582A3DD2-48A5-4E69-AC43-F1F4DE864CD5}"/>
+                  <a16:creationId xmlns:a16="http://schemas.microsoft.com/office/drawing/2014/main" id="{838E4242-A289-4C11-81F2-BF9CF29830D3}"/>
                 </a:ext>
               </a:extLst>
             </p:cNvPr>
@@ -4075,10 +4391,10 @@
         </p:sp>
         <p:sp>
           <p:nvSpPr>
-            <p:cNvPr id="44" name="Rectangle 43">
+            <p:cNvPr id="67" name="Rectangle 66">
               <a:extLst>
                 <a:ext uri="{FF2B5EF4-FFF2-40B4-BE49-F238E27FC236}">
-                  <a16:creationId xmlns:a16="http://schemas.microsoft.com/office/drawing/2014/main" id="{8A90E0F0-FDE8-4111-AC45-C665347F5021}"/>
+                  <a16:creationId xmlns:a16="http://schemas.microsoft.com/office/drawing/2014/main" id="{E8CBA217-CD1C-4625-B644-29CE33895225}"/>
                 </a:ext>
               </a:extLst>
             </p:cNvPr>
@@ -4124,10 +4440,10 @@
         </p:sp>
         <p:sp>
           <p:nvSpPr>
-            <p:cNvPr id="45" name="Rectangle 44">
+            <p:cNvPr id="68" name="Rectangle 67">
               <a:extLst>
                 <a:ext uri="{FF2B5EF4-FFF2-40B4-BE49-F238E27FC236}">
-                  <a16:creationId xmlns:a16="http://schemas.microsoft.com/office/drawing/2014/main" id="{7D0A4C2A-FAFA-464F-B9A5-C513072C734D}"/>
+                  <a16:creationId xmlns:a16="http://schemas.microsoft.com/office/drawing/2014/main" id="{9E2F9609-FD10-453F-A2E1-C6375605CCED}"/>
                 </a:ext>
               </a:extLst>
             </p:cNvPr>
@@ -4173,10 +4489,10 @@
         </p:sp>
         <p:sp>
           <p:nvSpPr>
-            <p:cNvPr id="46" name="TextBox 45">
+            <p:cNvPr id="69" name="TextBox 68">
               <a:extLst>
                 <a:ext uri="{FF2B5EF4-FFF2-40B4-BE49-F238E27FC236}">
-                  <a16:creationId xmlns:a16="http://schemas.microsoft.com/office/drawing/2014/main" id="{55498196-FFC2-49FA-954B-8E3005AD4023}"/>
+                  <a16:creationId xmlns:a16="http://schemas.microsoft.com/office/drawing/2014/main" id="{C162274C-CCF6-47D8-9868-A007B8F812B6}"/>
                 </a:ext>
               </a:extLst>
             </p:cNvPr>
@@ -4217,10 +4533,10 @@
       </p:grpSp>
       <p:sp>
         <p:nvSpPr>
-          <p:cNvPr id="47" name="TextBox 46">
+          <p:cNvPr id="70" name="TextBox 69">
             <a:extLst>
               <a:ext uri="{FF2B5EF4-FFF2-40B4-BE49-F238E27FC236}">
-                <a16:creationId xmlns:a16="http://schemas.microsoft.com/office/drawing/2014/main" id="{C308C44E-4BFA-411D-B7FD-70529DC08538}"/>
+                <a16:creationId xmlns:a16="http://schemas.microsoft.com/office/drawing/2014/main" id="{D578720F-9B07-462F-97A2-DDFBD8EE258E}"/>
               </a:ext>
             </a:extLst>
           </p:cNvPr>
@@ -4229,7 +4545,7 @@
         </p:nvSpPr>
         <p:spPr>
           <a:xfrm>
-            <a:off x="11981086" y="25356413"/>
+            <a:off x="11482138" y="25776122"/>
             <a:ext cx="3733201" cy="558936"/>
           </a:xfrm>
           <a:prstGeom prst="rect">
@@ -4284,10 +4600,10 @@
       </p:sp>
       <p:sp>
         <p:nvSpPr>
-          <p:cNvPr id="48" name="TextBox 47">
+          <p:cNvPr id="71" name="TextBox 70">
             <a:extLst>
               <a:ext uri="{FF2B5EF4-FFF2-40B4-BE49-F238E27FC236}">
-                <a16:creationId xmlns:a16="http://schemas.microsoft.com/office/drawing/2014/main" id="{27F49753-50ED-4E3F-9FE1-1DDBB27B56D8}"/>
+                <a16:creationId xmlns:a16="http://schemas.microsoft.com/office/drawing/2014/main" id="{E9BA87EF-81B8-4EA7-B29C-0D6305ADDA8F}"/>
               </a:ext>
             </a:extLst>
           </p:cNvPr>
@@ -4296,7 +4612,7 @@
         </p:nvSpPr>
         <p:spPr>
           <a:xfrm rot="16200000">
-            <a:off x="731089" y="19142990"/>
+            <a:off x="689669" y="18961832"/>
             <a:ext cx="898002" cy="558936"/>
           </a:xfrm>
           <a:prstGeom prst="rect">
@@ -4319,322 +4635,6 @@
               </a:rPr>
               <a:t>PDF</a:t>
             </a:r>
-          </a:p>
-        </p:txBody>
-      </p:sp>
-      <p:pic>
-        <p:nvPicPr>
-          <p:cNvPr id="1030" name="Picture 6">
-            <a:extLst>
-              <a:ext uri="{FF2B5EF4-FFF2-40B4-BE49-F238E27FC236}">
-                <a16:creationId xmlns:a16="http://schemas.microsoft.com/office/drawing/2014/main" id="{FBFC3551-4DD9-4572-86DF-625C47337174}"/>
-              </a:ext>
-            </a:extLst>
-          </p:cNvPr>
-          <p:cNvPicPr>
-            <a:picLocks noChangeAspect="1" noChangeArrowheads="1"/>
-          </p:cNvPicPr>
-          <p:nvPr/>
-        </p:nvPicPr>
-        <p:blipFill>
-          <a:blip r:embed="rId5">
-            <a:extLst>
-              <a:ext uri="{28A0092B-C50C-407E-A947-70E740481C1C}">
-                <a14:useLocalDpi xmlns:a14="http://schemas.microsoft.com/office/drawing/2010/main" val="0"/>
-              </a:ext>
-            </a:extLst>
-          </a:blip>
-          <a:srcRect/>
-          <a:stretch>
-            <a:fillRect/>
-          </a:stretch>
-        </p:blipFill>
-        <p:spPr bwMode="auto">
-          <a:xfrm>
-            <a:off x="1640382" y="26728320"/>
-            <a:ext cx="10494705" cy="7119523"/>
-          </a:xfrm>
-          <a:prstGeom prst="rect">
-            <a:avLst/>
-          </a:prstGeom>
-          <a:noFill/>
-          <a:extLst>
-            <a:ext uri="{909E8E84-426E-40DD-AFC4-6F175D3DCCD1}">
-              <a14:hiddenFill xmlns:a14="http://schemas.microsoft.com/office/drawing/2010/main">
-                <a:solidFill>
-                  <a:srgbClr val="FFFFFF"/>
-                </a:solidFill>
-              </a14:hiddenFill>
-            </a:ext>
-          </a:extLst>
-        </p:spPr>
-      </p:pic>
-      <p:sp>
-        <p:nvSpPr>
-          <p:cNvPr id="50" name="TextBox 49">
-            <a:extLst>
-              <a:ext uri="{FF2B5EF4-FFF2-40B4-BE49-F238E27FC236}">
-                <a16:creationId xmlns:a16="http://schemas.microsoft.com/office/drawing/2014/main" id="{681542F3-0CA2-4318-98AC-1C14E0C2FA60}"/>
-              </a:ext>
-            </a:extLst>
-          </p:cNvPr>
-          <p:cNvSpPr txBox="1"/>
-          <p:nvPr/>
-        </p:nvSpPr>
-        <p:spPr>
-          <a:xfrm>
-            <a:off x="5875821" y="33220382"/>
-            <a:ext cx="3988503" cy="523220"/>
-          </a:xfrm>
-          <a:prstGeom prst="rect">
-            <a:avLst/>
-          </a:prstGeom>
-          <a:solidFill>
-            <a:schemeClr val="bg1"/>
-          </a:solidFill>
-        </p:spPr>
-        <p:txBody>
-          <a:bodyPr wrap="square" rtlCol="0">
-            <a:spAutoFit/>
-          </a:bodyPr>
-          <a:lstStyle/>
-          <a:p>
-            <a:r>
-              <a:rPr lang="en-US" sz="2800" dirty="0">
-                <a:solidFill>
-                  <a:srgbClr val="202124"/>
-                </a:solidFill>
-                <a:latin typeface="Times New Roman" panose="02020603050405020304" pitchFamily="18" charset="0"/>
-                <a:cs typeface="Times New Roman" panose="02020603050405020304" pitchFamily="18" charset="0"/>
-              </a:rPr>
-              <a:t>Ligand degree ratio (</a:t>
-            </a:r>
-            <a:r>
-              <a:rPr lang="el-GR" sz="2800" dirty="0">
-                <a:effectLst/>
-                <a:latin typeface="Times New Roman" panose="02020603050405020304" pitchFamily="18" charset="0"/>
-                <a:ea typeface="Calibri" panose="020F0502020204030204" pitchFamily="34" charset="0"/>
-                <a:cs typeface="Times New Roman" panose="02020603050405020304" pitchFamily="18" charset="0"/>
-              </a:rPr>
-              <a:t>ρ</a:t>
-            </a:r>
-            <a:r>
-              <a:rPr lang="en-US" sz="2800" dirty="0">
-                <a:solidFill>
-                  <a:srgbClr val="202124"/>
-                </a:solidFill>
-                <a:latin typeface="Times New Roman" panose="02020603050405020304" pitchFamily="18" charset="0"/>
-                <a:cs typeface="Times New Roman" panose="02020603050405020304" pitchFamily="18" charset="0"/>
-              </a:rPr>
-              <a:t>)</a:t>
-            </a:r>
-          </a:p>
-        </p:txBody>
-      </p:sp>
-      <p:sp>
-        <p:nvSpPr>
-          <p:cNvPr id="51" name="TextBox 50">
-            <a:extLst>
-              <a:ext uri="{FF2B5EF4-FFF2-40B4-BE49-F238E27FC236}">
-                <a16:creationId xmlns:a16="http://schemas.microsoft.com/office/drawing/2014/main" id="{14FF3B28-A2D9-4389-8523-5F637194F1F3}"/>
-              </a:ext>
-            </a:extLst>
-          </p:cNvPr>
-          <p:cNvSpPr txBox="1"/>
-          <p:nvPr/>
-        </p:nvSpPr>
-        <p:spPr>
-          <a:xfrm rot="16200000">
-            <a:off x="151087" y="29615849"/>
-            <a:ext cx="3440255" cy="461665"/>
-          </a:xfrm>
-          <a:prstGeom prst="rect">
-            <a:avLst/>
-          </a:prstGeom>
-          <a:solidFill>
-            <a:schemeClr val="bg1"/>
-          </a:solidFill>
-        </p:spPr>
-        <p:txBody>
-          <a:bodyPr wrap="square" rtlCol="0">
-            <a:spAutoFit/>
-          </a:bodyPr>
-          <a:lstStyle/>
-          <a:p>
-            <a:r>
-              <a:rPr lang="en-US" sz="2400" dirty="0">
-                <a:solidFill>
-                  <a:srgbClr val="202124"/>
-                </a:solidFill>
-                <a:latin typeface="Times New Roman" panose="02020603050405020304" pitchFamily="18" charset="0"/>
-                <a:cs typeface="Times New Roman" panose="02020603050405020304" pitchFamily="18" charset="0"/>
-              </a:rPr>
-              <a:t>DeepPurpose Prediction</a:t>
-            </a:r>
-            <a:endParaRPr lang="en-US" sz="2400" dirty="0">
-              <a:latin typeface="Times New Roman" panose="02020603050405020304" pitchFamily="18" charset="0"/>
-              <a:cs typeface="Times New Roman" panose="02020603050405020304" pitchFamily="18" charset="0"/>
-            </a:endParaRPr>
-          </a:p>
-        </p:txBody>
-      </p:sp>
-      <p:pic>
-        <p:nvPicPr>
-          <p:cNvPr id="4" name="Picture 8">
-            <a:extLst>
-              <a:ext uri="{FF2B5EF4-FFF2-40B4-BE49-F238E27FC236}">
-                <a16:creationId xmlns:a16="http://schemas.microsoft.com/office/drawing/2014/main" id="{4804DB46-F4A1-41E6-8D5B-81A52FC422BB}"/>
-              </a:ext>
-            </a:extLst>
-          </p:cNvPr>
-          <p:cNvPicPr>
-            <a:picLocks noChangeAspect="1" noChangeArrowheads="1"/>
-          </p:cNvPicPr>
-          <p:nvPr/>
-        </p:nvPicPr>
-        <p:blipFill>
-          <a:blip r:embed="rId6">
-            <a:extLst>
-              <a:ext uri="{28A0092B-C50C-407E-A947-70E740481C1C}">
-                <a14:useLocalDpi xmlns:a14="http://schemas.microsoft.com/office/drawing/2010/main" val="0"/>
-              </a:ext>
-            </a:extLst>
-          </a:blip>
-          <a:srcRect/>
-          <a:stretch>
-            <a:fillRect/>
-          </a:stretch>
-        </p:blipFill>
-        <p:spPr bwMode="auto">
-          <a:xfrm>
-            <a:off x="14386689" y="26624079"/>
-            <a:ext cx="10758390" cy="7119523"/>
-          </a:xfrm>
-          <a:prstGeom prst="rect">
-            <a:avLst/>
-          </a:prstGeom>
-          <a:noFill/>
-          <a:extLst>
-            <a:ext uri="{909E8E84-426E-40DD-AFC4-6F175D3DCCD1}">
-              <a14:hiddenFill xmlns:a14="http://schemas.microsoft.com/office/drawing/2010/main">
-                <a:solidFill>
-                  <a:srgbClr val="FFFFFF"/>
-                </a:solidFill>
-              </a14:hiddenFill>
-            </a:ext>
-          </a:extLst>
-        </p:spPr>
-      </p:pic>
-      <p:sp>
-        <p:nvSpPr>
-          <p:cNvPr id="53" name="TextBox 52">
-            <a:extLst>
-              <a:ext uri="{FF2B5EF4-FFF2-40B4-BE49-F238E27FC236}">
-                <a16:creationId xmlns:a16="http://schemas.microsoft.com/office/drawing/2014/main" id="{2E5B2D00-D8B1-4998-8E2A-7E069DAD2FBB}"/>
-              </a:ext>
-            </a:extLst>
-          </p:cNvPr>
-          <p:cNvSpPr txBox="1"/>
-          <p:nvPr/>
-        </p:nvSpPr>
-        <p:spPr>
-          <a:xfrm rot="16200000">
-            <a:off x="12897394" y="29567339"/>
-            <a:ext cx="3440255" cy="461665"/>
-          </a:xfrm>
-          <a:prstGeom prst="rect">
-            <a:avLst/>
-          </a:prstGeom>
-          <a:solidFill>
-            <a:schemeClr val="bg1"/>
-          </a:solidFill>
-        </p:spPr>
-        <p:txBody>
-          <a:bodyPr wrap="square" rtlCol="0">
-            <a:spAutoFit/>
-          </a:bodyPr>
-          <a:lstStyle/>
-          <a:p>
-            <a:r>
-              <a:rPr lang="en-US" sz="2400" dirty="0">
-                <a:solidFill>
-                  <a:srgbClr val="202124"/>
-                </a:solidFill>
-                <a:latin typeface="Times New Roman" panose="02020603050405020304" pitchFamily="18" charset="0"/>
-                <a:cs typeface="Times New Roman" panose="02020603050405020304" pitchFamily="18" charset="0"/>
-              </a:rPr>
-              <a:t>DeepPurpose Prediction</a:t>
-            </a:r>
-            <a:endParaRPr lang="en-US" sz="2400" dirty="0">
-              <a:latin typeface="Times New Roman" panose="02020603050405020304" pitchFamily="18" charset="0"/>
-              <a:cs typeface="Times New Roman" panose="02020603050405020304" pitchFamily="18" charset="0"/>
-            </a:endParaRPr>
-          </a:p>
-        </p:txBody>
-      </p:sp>
-      <p:sp>
-        <p:nvSpPr>
-          <p:cNvPr id="54" name="TextBox 53">
-            <a:extLst>
-              <a:ext uri="{FF2B5EF4-FFF2-40B4-BE49-F238E27FC236}">
-                <a16:creationId xmlns:a16="http://schemas.microsoft.com/office/drawing/2014/main" id="{F826E5F1-E8A2-486E-984B-5B7FB7CC3691}"/>
-              </a:ext>
-            </a:extLst>
-          </p:cNvPr>
-          <p:cNvSpPr txBox="1"/>
-          <p:nvPr/>
-        </p:nvSpPr>
-        <p:spPr>
-          <a:xfrm>
-            <a:off x="18757260" y="33201274"/>
-            <a:ext cx="3988503" cy="523220"/>
-          </a:xfrm>
-          <a:prstGeom prst="rect">
-            <a:avLst/>
-          </a:prstGeom>
-          <a:solidFill>
-            <a:schemeClr val="bg1"/>
-          </a:solidFill>
-        </p:spPr>
-        <p:txBody>
-          <a:bodyPr wrap="square" rtlCol="0">
-            <a:spAutoFit/>
-          </a:bodyPr>
-          <a:lstStyle/>
-          <a:p>
-            <a:r>
-              <a:rPr lang="en-US" sz="2800" dirty="0">
-                <a:solidFill>
-                  <a:srgbClr val="202124"/>
-                </a:solidFill>
-                <a:latin typeface="Times New Roman" panose="02020603050405020304" pitchFamily="18" charset="0"/>
-                <a:cs typeface="Times New Roman" panose="02020603050405020304" pitchFamily="18" charset="0"/>
-              </a:rPr>
-              <a:t>Protein degree ratio (</a:t>
-            </a:r>
-            <a:r>
-              <a:rPr lang="el-GR" sz="2800" dirty="0">
-                <a:effectLst/>
-                <a:latin typeface="Times New Roman" panose="02020603050405020304" pitchFamily="18" charset="0"/>
-                <a:ea typeface="Calibri" panose="020F0502020204030204" pitchFamily="34" charset="0"/>
-                <a:cs typeface="Times New Roman" panose="02020603050405020304" pitchFamily="18" charset="0"/>
-              </a:rPr>
-              <a:t>ρ</a:t>
-            </a:r>
-            <a:r>
-              <a:rPr lang="en-US" sz="2800" dirty="0">
-                <a:solidFill>
-                  <a:srgbClr val="202124"/>
-                </a:solidFill>
-                <a:latin typeface="Times New Roman" panose="02020603050405020304" pitchFamily="18" charset="0"/>
-                <a:cs typeface="Times New Roman" panose="02020603050405020304" pitchFamily="18" charset="0"/>
-              </a:rPr>
-              <a:t>)</a:t>
-            </a:r>
-            <a:endParaRPr lang="en-US" sz="2800" dirty="0">
-              <a:latin typeface="Times New Roman" panose="02020603050405020304" pitchFamily="18" charset="0"/>
-              <a:cs typeface="Times New Roman" panose="02020603050405020304" pitchFamily="18" charset="0"/>
-            </a:endParaRPr>
           </a:p>
         </p:txBody>
       </p:sp>

--- a/Images/SI5.pptx
+++ b/Images/SI5.pptx
@@ -197,7 +197,7 @@
           <a:p>
             <a:fld id="{D34CEA9E-E5A5-49C8-A578-AF124664FEC0}" type="datetimeFigureOut">
               <a:rPr lang="en-US" smtClean="0"/>
-              <a:t>10/25/2021</a:t>
+              <a:t>11/9/2021</a:t>
             </a:fld>
             <a:endParaRPr lang="en-US"/>
           </a:p>
@@ -690,7 +690,7 @@
           <a:p>
             <a:fld id="{BA05AF01-4F0E-4718-A4C1-DFCBB47EE5F2}" type="datetimeFigureOut">
               <a:rPr lang="en-US" smtClean="0"/>
-              <a:t>10/25/2021</a:t>
+              <a:t>11/9/2021</a:t>
             </a:fld>
             <a:endParaRPr lang="en-US"/>
           </a:p>
@@ -860,7 +860,7 @@
           <a:p>
             <a:fld id="{BA05AF01-4F0E-4718-A4C1-DFCBB47EE5F2}" type="datetimeFigureOut">
               <a:rPr lang="en-US" smtClean="0"/>
-              <a:t>10/25/2021</a:t>
+              <a:t>11/9/2021</a:t>
             </a:fld>
             <a:endParaRPr lang="en-US"/>
           </a:p>
@@ -1040,7 +1040,7 @@
           <a:p>
             <a:fld id="{BA05AF01-4F0E-4718-A4C1-DFCBB47EE5F2}" type="datetimeFigureOut">
               <a:rPr lang="en-US" smtClean="0"/>
-              <a:t>10/25/2021</a:t>
+              <a:t>11/9/2021</a:t>
             </a:fld>
             <a:endParaRPr lang="en-US"/>
           </a:p>
@@ -1210,7 +1210,7 @@
           <a:p>
             <a:fld id="{BA05AF01-4F0E-4718-A4C1-DFCBB47EE5F2}" type="datetimeFigureOut">
               <a:rPr lang="en-US" smtClean="0"/>
-              <a:t>10/25/2021</a:t>
+              <a:t>11/9/2021</a:t>
             </a:fld>
             <a:endParaRPr lang="en-US"/>
           </a:p>
@@ -1454,7 +1454,7 @@
           <a:p>
             <a:fld id="{BA05AF01-4F0E-4718-A4C1-DFCBB47EE5F2}" type="datetimeFigureOut">
               <a:rPr lang="en-US" smtClean="0"/>
-              <a:t>10/25/2021</a:t>
+              <a:t>11/9/2021</a:t>
             </a:fld>
             <a:endParaRPr lang="en-US"/>
           </a:p>
@@ -1686,7 +1686,7 @@
           <a:p>
             <a:fld id="{BA05AF01-4F0E-4718-A4C1-DFCBB47EE5F2}" type="datetimeFigureOut">
               <a:rPr lang="en-US" smtClean="0"/>
-              <a:t>10/25/2021</a:t>
+              <a:t>11/9/2021</a:t>
             </a:fld>
             <a:endParaRPr lang="en-US"/>
           </a:p>
@@ -2053,7 +2053,7 @@
           <a:p>
             <a:fld id="{BA05AF01-4F0E-4718-A4C1-DFCBB47EE5F2}" type="datetimeFigureOut">
               <a:rPr lang="en-US" smtClean="0"/>
-              <a:t>10/25/2021</a:t>
+              <a:t>11/9/2021</a:t>
             </a:fld>
             <a:endParaRPr lang="en-US"/>
           </a:p>
@@ -2171,7 +2171,7 @@
           <a:p>
             <a:fld id="{BA05AF01-4F0E-4718-A4C1-DFCBB47EE5F2}" type="datetimeFigureOut">
               <a:rPr lang="en-US" smtClean="0"/>
-              <a:t>10/25/2021</a:t>
+              <a:t>11/9/2021</a:t>
             </a:fld>
             <a:endParaRPr lang="en-US"/>
           </a:p>
@@ -2266,7 +2266,7 @@
           <a:p>
             <a:fld id="{BA05AF01-4F0E-4718-A4C1-DFCBB47EE5F2}" type="datetimeFigureOut">
               <a:rPr lang="en-US" smtClean="0"/>
-              <a:t>10/25/2021</a:t>
+              <a:t>11/9/2021</a:t>
             </a:fld>
             <a:endParaRPr lang="en-US"/>
           </a:p>
@@ -2543,7 +2543,7 @@
           <a:p>
             <a:fld id="{BA05AF01-4F0E-4718-A4C1-DFCBB47EE5F2}" type="datetimeFigureOut">
               <a:rPr lang="en-US" smtClean="0"/>
-              <a:t>10/25/2021</a:t>
+              <a:t>11/9/2021</a:t>
             </a:fld>
             <a:endParaRPr lang="en-US"/>
           </a:p>
@@ -2800,7 +2800,7 @@
           <a:p>
             <a:fld id="{BA05AF01-4F0E-4718-A4C1-DFCBB47EE5F2}" type="datetimeFigureOut">
               <a:rPr lang="en-US" smtClean="0"/>
-              <a:t>10/25/2021</a:t>
+              <a:t>11/9/2021</a:t>
             </a:fld>
             <a:endParaRPr lang="en-US"/>
           </a:p>
@@ -3013,7 +3013,7 @@
           <a:p>
             <a:fld id="{BA05AF01-4F0E-4718-A4C1-DFCBB47EE5F2}" type="datetimeFigureOut">
               <a:rPr lang="en-US" smtClean="0"/>
-              <a:t>10/25/2021</a:t>
+              <a:t>11/9/2021</a:t>
             </a:fld>
             <a:endParaRPr lang="en-US"/>
           </a:p>
@@ -3705,6 +3705,15 @@
               <a:t>ρ</a:t>
             </a:r>
             <a:r>
+              <a:rPr lang="en-US" sz="2800" baseline="-25000" dirty="0">
+                <a:effectLst/>
+                <a:latin typeface="Times New Roman" panose="02020603050405020304" pitchFamily="18" charset="0"/>
+                <a:ea typeface="Calibri" panose="020F0502020204030204" pitchFamily="34" charset="0"/>
+                <a:cs typeface="Times New Roman" panose="02020603050405020304" pitchFamily="18" charset="0"/>
+              </a:rPr>
+              <a:t>l</a:t>
+            </a:r>
+            <a:r>
               <a:rPr lang="en-US" sz="2800" dirty="0">
                 <a:solidFill>
                   <a:srgbClr val="202124"/>
@@ -3714,6 +3723,10 @@
               </a:rPr>
               <a:t>)</a:t>
             </a:r>
+            <a:endParaRPr lang="en-US" sz="2800" dirty="0">
+              <a:latin typeface="Times New Roman" panose="02020603050405020304" pitchFamily="18" charset="0"/>
+              <a:cs typeface="Times New Roman" panose="02020603050405020304" pitchFamily="18" charset="0"/>
+            </a:endParaRPr>
           </a:p>
         </p:txBody>
       </p:sp>
@@ -3906,6 +3919,15 @@
                 <a:cs typeface="Times New Roman" panose="02020603050405020304" pitchFamily="18" charset="0"/>
               </a:rPr>
               <a:t>ρ</a:t>
+            </a:r>
+            <a:r>
+              <a:rPr lang="en-US" sz="2800" baseline="-25000" dirty="0">
+                <a:effectLst/>
+                <a:latin typeface="Times New Roman" panose="02020603050405020304" pitchFamily="18" charset="0"/>
+                <a:ea typeface="Calibri" panose="020F0502020204030204" pitchFamily="34" charset="0"/>
+                <a:cs typeface="Times New Roman" panose="02020603050405020304" pitchFamily="18" charset="0"/>
+              </a:rPr>
+              <a:t>p</a:t>
             </a:r>
             <a:r>
               <a:rPr lang="en-US" sz="2800" dirty="0">

--- a/Images/SI5.pptx
+++ b/Images/SI5.pptx
@@ -197,7 +197,7 @@
           <a:p>
             <a:fld id="{D34CEA9E-E5A5-49C8-A578-AF124664FEC0}" type="datetimeFigureOut">
               <a:rPr lang="en-US" smtClean="0"/>
-              <a:t>11/9/2021</a:t>
+              <a:t>12/11/2021</a:t>
             </a:fld>
             <a:endParaRPr lang="en-US"/>
           </a:p>
@@ -690,7 +690,7 @@
           <a:p>
             <a:fld id="{BA05AF01-4F0E-4718-A4C1-DFCBB47EE5F2}" type="datetimeFigureOut">
               <a:rPr lang="en-US" smtClean="0"/>
-              <a:t>11/9/2021</a:t>
+              <a:t>12/11/2021</a:t>
             </a:fld>
             <a:endParaRPr lang="en-US"/>
           </a:p>
@@ -860,7 +860,7 @@
           <a:p>
             <a:fld id="{BA05AF01-4F0E-4718-A4C1-DFCBB47EE5F2}" type="datetimeFigureOut">
               <a:rPr lang="en-US" smtClean="0"/>
-              <a:t>11/9/2021</a:t>
+              <a:t>12/11/2021</a:t>
             </a:fld>
             <a:endParaRPr lang="en-US"/>
           </a:p>
@@ -1040,7 +1040,7 @@
           <a:p>
             <a:fld id="{BA05AF01-4F0E-4718-A4C1-DFCBB47EE5F2}" type="datetimeFigureOut">
               <a:rPr lang="en-US" smtClean="0"/>
-              <a:t>11/9/2021</a:t>
+              <a:t>12/11/2021</a:t>
             </a:fld>
             <a:endParaRPr lang="en-US"/>
           </a:p>
@@ -1210,7 +1210,7 @@
           <a:p>
             <a:fld id="{BA05AF01-4F0E-4718-A4C1-DFCBB47EE5F2}" type="datetimeFigureOut">
               <a:rPr lang="en-US" smtClean="0"/>
-              <a:t>11/9/2021</a:t>
+              <a:t>12/11/2021</a:t>
             </a:fld>
             <a:endParaRPr lang="en-US"/>
           </a:p>
@@ -1454,7 +1454,7 @@
           <a:p>
             <a:fld id="{BA05AF01-4F0E-4718-A4C1-DFCBB47EE5F2}" type="datetimeFigureOut">
               <a:rPr lang="en-US" smtClean="0"/>
-              <a:t>11/9/2021</a:t>
+              <a:t>12/11/2021</a:t>
             </a:fld>
             <a:endParaRPr lang="en-US"/>
           </a:p>
@@ -1686,7 +1686,7 @@
           <a:p>
             <a:fld id="{BA05AF01-4F0E-4718-A4C1-DFCBB47EE5F2}" type="datetimeFigureOut">
               <a:rPr lang="en-US" smtClean="0"/>
-              <a:t>11/9/2021</a:t>
+              <a:t>12/11/2021</a:t>
             </a:fld>
             <a:endParaRPr lang="en-US"/>
           </a:p>
@@ -2053,7 +2053,7 @@
           <a:p>
             <a:fld id="{BA05AF01-4F0E-4718-A4C1-DFCBB47EE5F2}" type="datetimeFigureOut">
               <a:rPr lang="en-US" smtClean="0"/>
-              <a:t>11/9/2021</a:t>
+              <a:t>12/11/2021</a:t>
             </a:fld>
             <a:endParaRPr lang="en-US"/>
           </a:p>
@@ -2171,7 +2171,7 @@
           <a:p>
             <a:fld id="{BA05AF01-4F0E-4718-A4C1-DFCBB47EE5F2}" type="datetimeFigureOut">
               <a:rPr lang="en-US" smtClean="0"/>
-              <a:t>11/9/2021</a:t>
+              <a:t>12/11/2021</a:t>
             </a:fld>
             <a:endParaRPr lang="en-US"/>
           </a:p>
@@ -2266,7 +2266,7 @@
           <a:p>
             <a:fld id="{BA05AF01-4F0E-4718-A4C1-DFCBB47EE5F2}" type="datetimeFigureOut">
               <a:rPr lang="en-US" smtClean="0"/>
-              <a:t>11/9/2021</a:t>
+              <a:t>12/11/2021</a:t>
             </a:fld>
             <a:endParaRPr lang="en-US"/>
           </a:p>
@@ -2543,7 +2543,7 @@
           <a:p>
             <a:fld id="{BA05AF01-4F0E-4718-A4C1-DFCBB47EE5F2}" type="datetimeFigureOut">
               <a:rPr lang="en-US" smtClean="0"/>
-              <a:t>11/9/2021</a:t>
+              <a:t>12/11/2021</a:t>
             </a:fld>
             <a:endParaRPr lang="en-US"/>
           </a:p>
@@ -2800,7 +2800,7 @@
           <a:p>
             <a:fld id="{BA05AF01-4F0E-4718-A4C1-DFCBB47EE5F2}" type="datetimeFigureOut">
               <a:rPr lang="en-US" smtClean="0"/>
-              <a:t>11/9/2021</a:t>
+              <a:t>12/11/2021</a:t>
             </a:fld>
             <a:endParaRPr lang="en-US"/>
           </a:p>
@@ -3013,7 +3013,7 @@
           <a:p>
             <a:fld id="{BA05AF01-4F0E-4718-A4C1-DFCBB47EE5F2}" type="datetimeFigureOut">
               <a:rPr lang="en-US" smtClean="0"/>
-              <a:t>11/9/2021</a:t>
+              <a:t>12/11/2021</a:t>
             </a:fld>
             <a:endParaRPr lang="en-US"/>
           </a:p>
@@ -3470,7 +3470,7 @@
         </p:nvSpPr>
         <p:spPr>
           <a:xfrm>
-            <a:off x="421515" y="13105956"/>
+            <a:off x="225647" y="13026429"/>
             <a:ext cx="878761" cy="921471"/>
           </a:xfrm>
           <a:prstGeom prst="rect">
@@ -3508,7 +3508,7 @@
         </p:nvSpPr>
         <p:spPr>
           <a:xfrm>
-            <a:off x="578715" y="26273192"/>
+            <a:off x="367162" y="26248478"/>
             <a:ext cx="878761" cy="921471"/>
           </a:xfrm>
           <a:prstGeom prst="rect">
@@ -3546,7 +3546,7 @@
         </p:nvSpPr>
         <p:spPr>
           <a:xfrm rot="10800000" flipV="1">
-            <a:off x="565754" y="335974"/>
+            <a:off x="225647" y="275448"/>
             <a:ext cx="2149257" cy="921054"/>
           </a:xfrm>
           <a:prstGeom prst="rect">
@@ -3584,7 +3584,7 @@
         </p:nvSpPr>
         <p:spPr>
           <a:xfrm>
-            <a:off x="13408307" y="26267585"/>
+            <a:off x="12957185" y="26314622"/>
             <a:ext cx="878761" cy="921471"/>
           </a:xfrm>
           <a:prstGeom prst="rect">
@@ -4568,7 +4568,7 @@
         <p:spPr>
           <a:xfrm>
             <a:off x="11482138" y="25776122"/>
-            <a:ext cx="3733201" cy="558936"/>
+            <a:ext cx="3802644" cy="558936"/>
           </a:xfrm>
           <a:prstGeom prst="rect">
             <a:avLst/>
@@ -4588,7 +4588,7 @@
                 <a:latin typeface="Times New Roman" panose="02020603050405020304" pitchFamily="18" charset="0"/>
                 <a:cs typeface="Times New Roman" panose="02020603050405020304" pitchFamily="18" charset="0"/>
               </a:rPr>
-              <a:t>Target degree ratio </a:t>
+              <a:t>Protein degree ratio </a:t>
             </a:r>
             <a:r>
               <a:rPr lang="en-US" sz="3030" dirty="0">
